--- a/presentation.pptx
+++ b/presentation.pptx
@@ -8,9 +8,10 @@
     <p:sldId id="256" r:id="rId2"/>
     <p:sldId id="257" r:id="rId3"/>
     <p:sldId id="258" r:id="rId4"/>
-    <p:sldId id="259" r:id="rId5"/>
-    <p:sldId id="260" r:id="rId6"/>
-    <p:sldId id="261" r:id="rId7"/>
+    <p:sldId id="262" r:id="rId5"/>
+    <p:sldId id="259" r:id="rId6"/>
+    <p:sldId id="260" r:id="rId7"/>
+    <p:sldId id="261" r:id="rId8"/>
   </p:sldIdLst>
   <p:sldSz cx="12192000" cy="6858000"/>
   <p:notesSz cx="6858000" cy="9144000"/>
@@ -6325,7 +6326,7 @@
           <p:cNvPr id="2" name="Title 1">
             <a:extLst>
               <a:ext uri="{FF2B5EF4-FFF2-40B4-BE49-F238E27FC236}">
-                <a16:creationId xmlns:a16="http://schemas.microsoft.com/office/drawing/2014/main" id="{1A2CB77B-56FF-484E-8A7D-0B1F5C008472}"/>
+                <a16:creationId xmlns:a16="http://schemas.microsoft.com/office/drawing/2014/main" id="{102572C9-9C34-4253-8C28-01233DB3741E}"/>
               </a:ext>
             </a:extLst>
           </p:cNvPr>
@@ -6342,10 +6343,14 @@
           <a:lstStyle/>
           <a:p>
             <a:r>
-              <a:rPr lang="en-US" sz="6000" dirty="0"/>
-              <a:t>Leap Motion Gestures</a:t>
-            </a:r>
-            <a:endParaRPr lang="en-IE" sz="6000" dirty="0"/>
+              <a:rPr lang="en-IE" dirty="0"/>
+              <a:t>Mechanical</a:t>
+            </a:r>
+            <a:r>
+              <a:rPr lang="en-US" dirty="0"/>
+              <a:t> Arm Setup</a:t>
+            </a:r>
+            <a:endParaRPr lang="en-IE" dirty="0"/>
           </a:p>
         </p:txBody>
       </p:sp>
@@ -6354,7 +6359,7 @@
           <p:cNvPr id="3" name="Content Placeholder 2">
             <a:extLst>
               <a:ext uri="{FF2B5EF4-FFF2-40B4-BE49-F238E27FC236}">
-                <a16:creationId xmlns:a16="http://schemas.microsoft.com/office/drawing/2014/main" id="{9442773B-9360-4357-800A-4B9495141E3A}"/>
+                <a16:creationId xmlns:a16="http://schemas.microsoft.com/office/drawing/2014/main" id="{F7C0AAE1-189A-4EBE-98A7-CD7855CBC065}"/>
               </a:ext>
             </a:extLst>
           </p:cNvPr>
@@ -6365,85 +6370,40 @@
             <p:ph idx="1"/>
           </p:nvPr>
         </p:nvSpPr>
-        <p:spPr>
-          <a:xfrm>
-            <a:off x="531418" y="1853248"/>
-            <a:ext cx="12150775" cy="4195481"/>
-          </a:xfrm>
-        </p:spPr>
-        <p:txBody>
-          <a:bodyPr>
-            <a:normAutofit/>
-          </a:bodyPr>
-          <a:lstStyle/>
-          <a:p>
-            <a:r>
-              <a:rPr lang="en-US" sz="3600" dirty="0">
-                <a:solidFill>
-                  <a:srgbClr val="FF0000"/>
-                </a:solidFill>
-              </a:rPr>
-              <a:t>Right Hand Closed Fist </a:t>
-            </a:r>
-            <a:r>
-              <a:rPr lang="en-US" sz="3600" dirty="0"/>
-              <a:t>– Close Claw</a:t>
-            </a:r>
-          </a:p>
-          <a:p>
-            <a:r>
-              <a:rPr lang="en-US" sz="3600" dirty="0">
-                <a:solidFill>
-                  <a:srgbClr val="FF0000"/>
-                </a:solidFill>
-              </a:rPr>
-              <a:t>Right Hand Upside down Closed Fist </a:t>
-            </a:r>
-            <a:r>
-              <a:rPr lang="en-US" sz="3600" dirty="0"/>
-              <a:t>– Open Claw</a:t>
-            </a:r>
-          </a:p>
-          <a:p>
-            <a:r>
-              <a:rPr lang="en-US" sz="3600" dirty="0">
-                <a:solidFill>
-                  <a:srgbClr val="FF0000"/>
-                </a:solidFill>
-              </a:rPr>
-              <a:t>Left Hand Finger Circle </a:t>
-            </a:r>
-            <a:r>
-              <a:rPr lang="en-US" sz="3600" dirty="0"/>
-              <a:t>– Rotate Arm Base</a:t>
-            </a:r>
-          </a:p>
-          <a:p>
-            <a:r>
-              <a:rPr lang="en-US" sz="3600" dirty="0">
-                <a:solidFill>
-                  <a:srgbClr val="FF0000"/>
-                </a:solidFill>
-              </a:rPr>
-              <a:t>Left Hand Index Finger Tap </a:t>
-            </a:r>
-            <a:r>
-              <a:rPr lang="en-US" sz="3600" dirty="0"/>
-              <a:t>– Rise Arm</a:t>
-            </a:r>
-          </a:p>
-          <a:p>
-            <a:r>
-              <a:rPr lang="en-US" sz="3600" dirty="0">
-                <a:solidFill>
-                  <a:srgbClr val="FF0000"/>
-                </a:solidFill>
-              </a:rPr>
-              <a:t>Left Hand Middle Finger Tap </a:t>
-            </a:r>
-            <a:r>
-              <a:rPr lang="en-US" sz="3600" dirty="0"/>
-              <a:t>– Lower Arm</a:t>
+        <p:spPr/>
+        <p:txBody>
+          <a:bodyPr/>
+          <a:lstStyle/>
+          <a:p>
+            <a:r>
+              <a:rPr lang="en-US" sz="3200" dirty="0"/>
+              <a:t>Build Arm</a:t>
+            </a:r>
+          </a:p>
+          <a:p>
+            <a:r>
+              <a:rPr lang="en-US" sz="3200" dirty="0"/>
+              <a:t>Flash a mini 32bit Java Virtual Machine onto Lego NXT Device </a:t>
+            </a:r>
+          </a:p>
+          <a:p>
+            <a:r>
+              <a:rPr lang="en-US" sz="3200" dirty="0"/>
+              <a:t>Download 32bit version of Java 8 and Eclipse</a:t>
+            </a:r>
+          </a:p>
+          <a:p>
+            <a:r>
+              <a:rPr lang="en-US" sz="3200" dirty="0"/>
+              <a:t>Download and Install </a:t>
+            </a:r>
+            <a:r>
+              <a:rPr lang="en-US" sz="3200" dirty="0" err="1"/>
+              <a:t>Lejos</a:t>
+            </a:r>
+            <a:r>
+              <a:rPr lang="en-US" sz="3200" dirty="0"/>
+              <a:t> Eclipse extension</a:t>
             </a:r>
           </a:p>
           <a:p>
@@ -6454,7 +6414,7 @@
     </p:spTree>
     <p:extLst>
       <p:ext uri="{BB962C8B-B14F-4D97-AF65-F5344CB8AC3E}">
-        <p14:creationId xmlns:p14="http://schemas.microsoft.com/office/powerpoint/2010/main" val="1918306171"/>
+        <p14:creationId xmlns:p14="http://schemas.microsoft.com/office/powerpoint/2010/main" val="1419579602"/>
       </p:ext>
     </p:extLst>
   </p:cSld>
@@ -6486,6 +6446,167 @@
           <p:cNvPr id="2" name="Title 1">
             <a:extLst>
               <a:ext uri="{FF2B5EF4-FFF2-40B4-BE49-F238E27FC236}">
+                <a16:creationId xmlns:a16="http://schemas.microsoft.com/office/drawing/2014/main" id="{1A2CB77B-56FF-484E-8A7D-0B1F5C008472}"/>
+              </a:ext>
+            </a:extLst>
+          </p:cNvPr>
+          <p:cNvSpPr>
+            <a:spLocks noGrp="1"/>
+          </p:cNvSpPr>
+          <p:nvPr>
+            <p:ph type="title"/>
+          </p:nvPr>
+        </p:nvSpPr>
+        <p:spPr/>
+        <p:txBody>
+          <a:bodyPr/>
+          <a:lstStyle/>
+          <a:p>
+            <a:r>
+              <a:rPr lang="en-US" sz="6000" dirty="0"/>
+              <a:t>Leap Motion Gestures</a:t>
+            </a:r>
+            <a:endParaRPr lang="en-IE" sz="6000" dirty="0"/>
+          </a:p>
+        </p:txBody>
+      </p:sp>
+      <p:sp>
+        <p:nvSpPr>
+          <p:cNvPr id="3" name="Content Placeholder 2">
+            <a:extLst>
+              <a:ext uri="{FF2B5EF4-FFF2-40B4-BE49-F238E27FC236}">
+                <a16:creationId xmlns:a16="http://schemas.microsoft.com/office/drawing/2014/main" id="{9442773B-9360-4357-800A-4B9495141E3A}"/>
+              </a:ext>
+            </a:extLst>
+          </p:cNvPr>
+          <p:cNvSpPr>
+            <a:spLocks noGrp="1"/>
+          </p:cNvSpPr>
+          <p:nvPr>
+            <p:ph idx="1"/>
+          </p:nvPr>
+        </p:nvSpPr>
+        <p:spPr>
+          <a:xfrm>
+            <a:off x="531418" y="1853248"/>
+            <a:ext cx="12150775" cy="4195481"/>
+          </a:xfrm>
+        </p:spPr>
+        <p:txBody>
+          <a:bodyPr>
+            <a:normAutofit/>
+          </a:bodyPr>
+          <a:lstStyle/>
+          <a:p>
+            <a:r>
+              <a:rPr lang="en-US" sz="3600" dirty="0">
+                <a:solidFill>
+                  <a:srgbClr val="FF0000"/>
+                </a:solidFill>
+              </a:rPr>
+              <a:t>Right Hand Closed Fist </a:t>
+            </a:r>
+            <a:r>
+              <a:rPr lang="en-US" sz="3600" dirty="0"/>
+              <a:t>– Close Claw</a:t>
+            </a:r>
+          </a:p>
+          <a:p>
+            <a:r>
+              <a:rPr lang="en-US" sz="3600" dirty="0">
+                <a:solidFill>
+                  <a:srgbClr val="FF0000"/>
+                </a:solidFill>
+              </a:rPr>
+              <a:t>Right Hand Upside down Closed Fist </a:t>
+            </a:r>
+            <a:r>
+              <a:rPr lang="en-US" sz="3600" dirty="0"/>
+              <a:t>– Open Claw</a:t>
+            </a:r>
+          </a:p>
+          <a:p>
+            <a:r>
+              <a:rPr lang="en-US" sz="3600" dirty="0">
+                <a:solidFill>
+                  <a:srgbClr val="FF0000"/>
+                </a:solidFill>
+              </a:rPr>
+              <a:t>Left Hand Finger Circle </a:t>
+            </a:r>
+            <a:r>
+              <a:rPr lang="en-US" sz="3600" dirty="0"/>
+              <a:t>– Rotate Arm Base</a:t>
+            </a:r>
+          </a:p>
+          <a:p>
+            <a:r>
+              <a:rPr lang="en-US" sz="3600" dirty="0">
+                <a:solidFill>
+                  <a:srgbClr val="FF0000"/>
+                </a:solidFill>
+              </a:rPr>
+              <a:t>Left Hand Index Finger Tap </a:t>
+            </a:r>
+            <a:r>
+              <a:rPr lang="en-US" sz="3600" dirty="0"/>
+              <a:t>– Rise Arm</a:t>
+            </a:r>
+          </a:p>
+          <a:p>
+            <a:r>
+              <a:rPr lang="en-US" sz="3600" dirty="0">
+                <a:solidFill>
+                  <a:srgbClr val="FF0000"/>
+                </a:solidFill>
+              </a:rPr>
+              <a:t>Left Hand Middle Finger Tap </a:t>
+            </a:r>
+            <a:r>
+              <a:rPr lang="en-US" sz="3600" dirty="0"/>
+              <a:t>– Lower Arm</a:t>
+            </a:r>
+          </a:p>
+          <a:p>
+            <a:endParaRPr lang="en-IE" dirty="0"/>
+          </a:p>
+        </p:txBody>
+      </p:sp>
+    </p:spTree>
+    <p:extLst>
+      <p:ext uri="{BB962C8B-B14F-4D97-AF65-F5344CB8AC3E}">
+        <p14:creationId xmlns:p14="http://schemas.microsoft.com/office/powerpoint/2010/main" val="1918306171"/>
+      </p:ext>
+    </p:extLst>
+  </p:cSld>
+  <p:clrMapOvr>
+    <a:masterClrMapping/>
+  </p:clrMapOvr>
+</p:sld>
+</file>
+
+<file path=ppt/slides/slide6.xml><?xml version="1.0" encoding="utf-8"?>
+<p:sld xmlns:a="http://schemas.openxmlformats.org/drawingml/2006/main" xmlns:r="http://schemas.openxmlformats.org/officeDocument/2006/relationships" xmlns:p="http://schemas.openxmlformats.org/presentationml/2006/main">
+  <p:cSld>
+    <p:spTree>
+      <p:nvGrpSpPr>
+        <p:cNvPr id="1" name=""/>
+        <p:cNvGrpSpPr/>
+        <p:nvPr/>
+      </p:nvGrpSpPr>
+      <p:grpSpPr>
+        <a:xfrm>
+          <a:off x="0" y="0"/>
+          <a:ext cx="0" cy="0"/>
+          <a:chOff x="0" y="0"/>
+          <a:chExt cx="0" cy="0"/>
+        </a:xfrm>
+      </p:grpSpPr>
+      <p:sp>
+        <p:nvSpPr>
+          <p:cNvPr id="2" name="Title 1">
+            <a:extLst>
+              <a:ext uri="{FF2B5EF4-FFF2-40B4-BE49-F238E27FC236}">
                 <a16:creationId xmlns:a16="http://schemas.microsoft.com/office/drawing/2014/main" id="{29B2CD78-BDF2-4BBB-A5B3-EE8F1804A3DD}"/>
               </a:ext>
             </a:extLst>
@@ -6528,7 +6649,7 @@
 </p:sld>
 </file>
 
-<file path=ppt/slides/slide6.xml><?xml version="1.0" encoding="utf-8"?>
+<file path=ppt/slides/slide7.xml><?xml version="1.0" encoding="utf-8"?>
 <p:sld xmlns:a="http://schemas.openxmlformats.org/drawingml/2006/main" xmlns:r="http://schemas.openxmlformats.org/officeDocument/2006/relationships" xmlns:p="http://schemas.openxmlformats.org/presentationml/2006/main">
   <p:cSld>
     <p:spTree>

--- a/presentation.pptx
+++ b/presentation.pptx
@@ -1,6 +1,6 @@
 
 <file path=ppt/presentation.xml><?xml version="1.0" encoding="utf-8"?>
-<p:presentation xmlns:a="http://schemas.openxmlformats.org/drawingml/2006/main" xmlns:r="http://schemas.openxmlformats.org/officeDocument/2006/relationships" xmlns:p="http://schemas.openxmlformats.org/presentationml/2006/main" autoCompressPictures="0">
+<p:presentation xmlns:a="http://schemas.openxmlformats.org/drawingml/2006/main" xmlns:r="http://schemas.openxmlformats.org/officeDocument/2006/relationships" xmlns:p="http://schemas.openxmlformats.org/presentationml/2006/main" saveSubsetFonts="1" autoCompressPictures="0">
   <p:sldMasterIdLst>
     <p:sldMasterId id="2147483648" r:id="rId1"/>
   </p:sldMasterIdLst>
@@ -8,10 +8,11 @@
     <p:sldId id="256" r:id="rId2"/>
     <p:sldId id="257" r:id="rId3"/>
     <p:sldId id="258" r:id="rId4"/>
-    <p:sldId id="262" r:id="rId5"/>
-    <p:sldId id="259" r:id="rId6"/>
-    <p:sldId id="260" r:id="rId7"/>
-    <p:sldId id="261" r:id="rId8"/>
+    <p:sldId id="263" r:id="rId5"/>
+    <p:sldId id="262" r:id="rId6"/>
+    <p:sldId id="259" r:id="rId7"/>
+    <p:sldId id="260" r:id="rId8"/>
+    <p:sldId id="261" r:id="rId9"/>
   </p:sldIdLst>
   <p:sldSz cx="12192000" cy="6858000"/>
   <p:notesSz cx="6858000" cy="9144000"/>
@@ -110,6 +111,11 @@
       </a:defRPr>
     </a:lvl9pPr>
   </p:defaultTextStyle>
+  <p:extLst>
+    <p:ext uri="{EFAFB233-063F-42B5-8137-9DF3F51BA10A}">
+      <p15:sldGuideLst xmlns:p15="http://schemas.microsoft.com/office/powerpoint/2012/main"/>
+    </p:ext>
+  </p:extLst>
 </p:presentation>
 </file>
 
@@ -299,7 +305,7 @@
           <a:p>
             <a:fld id="{4AAD347D-5ACD-4C99-B74B-A9C85AD731AF}" type="datetimeFigureOut">
               <a:rPr lang="en-US" dirty="0"/>
-              <a:t>4/4/2019</a:t>
+              <a:t>4/4/19</a:t>
             </a:fld>
             <a:endParaRPr lang="en-US" dirty="0"/>
           </a:p>
@@ -569,7 +575,7 @@
           <a:p>
             <a:fld id="{4509A250-FF31-4206-8172-F9D3106AACB1}" type="datetimeFigureOut">
               <a:rPr lang="en-US" dirty="0"/>
-              <a:t>4/4/2019</a:t>
+              <a:t>4/4/19</a:t>
             </a:fld>
             <a:endParaRPr lang="en-US" dirty="0"/>
           </a:p>
@@ -758,7 +764,7 @@
           <a:p>
             <a:fld id="{4509A250-FF31-4206-8172-F9D3106AACB1}" type="datetimeFigureOut">
               <a:rPr lang="en-US" dirty="0"/>
-              <a:t>4/4/2019</a:t>
+              <a:t>4/4/19</a:t>
             </a:fld>
             <a:endParaRPr lang="en-US" dirty="0"/>
           </a:p>
@@ -1026,7 +1032,7 @@
           <a:p>
             <a:fld id="{4509A250-FF31-4206-8172-F9D3106AACB1}" type="datetimeFigureOut">
               <a:rPr lang="en-US" dirty="0"/>
-              <a:t>4/4/2019</a:t>
+              <a:t>4/4/19</a:t>
             </a:fld>
             <a:endParaRPr lang="en-US" dirty="0"/>
           </a:p>
@@ -1362,7 +1368,7 @@
           <a:p>
             <a:fld id="{4509A250-FF31-4206-8172-F9D3106AACB1}" type="datetimeFigureOut">
               <a:rPr lang="en-US" dirty="0"/>
-              <a:t>4/4/2019</a:t>
+              <a:t>4/4/19</a:t>
             </a:fld>
             <a:endParaRPr lang="en-US" dirty="0"/>
           </a:p>
@@ -1980,7 +1986,7 @@
           <a:p>
             <a:fld id="{4509A250-FF31-4206-8172-F9D3106AACB1}" type="datetimeFigureOut">
               <a:rPr lang="en-US" dirty="0"/>
-              <a:t>4/4/2019</a:t>
+              <a:t>4/4/19</a:t>
             </a:fld>
             <a:endParaRPr lang="en-US" dirty="0"/>
           </a:p>
@@ -2835,7 +2841,7 @@
           <a:p>
             <a:fld id="{4509A250-FF31-4206-8172-F9D3106AACB1}" type="datetimeFigureOut">
               <a:rPr lang="en-US" dirty="0"/>
-              <a:t>4/4/2019</a:t>
+              <a:t>4/4/19</a:t>
             </a:fld>
             <a:endParaRPr lang="en-US" dirty="0"/>
           </a:p>
@@ -3000,7 +3006,7 @@
           <a:p>
             <a:fld id="{4509A250-FF31-4206-8172-F9D3106AACB1}" type="datetimeFigureOut">
               <a:rPr lang="en-US" dirty="0"/>
-              <a:t>4/4/2019</a:t>
+              <a:t>4/4/19</a:t>
             </a:fld>
             <a:endParaRPr lang="en-US" dirty="0"/>
           </a:p>
@@ -3175,7 +3181,7 @@
           <a:p>
             <a:fld id="{4509A250-FF31-4206-8172-F9D3106AACB1}" type="datetimeFigureOut">
               <a:rPr lang="en-US" dirty="0"/>
-              <a:t>4/4/2019</a:t>
+              <a:t>4/4/19</a:t>
             </a:fld>
             <a:endParaRPr lang="en-US" dirty="0"/>
           </a:p>
@@ -3340,7 +3346,7 @@
           <a:p>
             <a:fld id="{4509A250-FF31-4206-8172-F9D3106AACB1}" type="datetimeFigureOut">
               <a:rPr lang="en-US" dirty="0"/>
-              <a:t>4/4/2019</a:t>
+              <a:t>4/4/19</a:t>
             </a:fld>
             <a:endParaRPr lang="en-US" dirty="0"/>
           </a:p>
@@ -3582,7 +3588,7 @@
           <a:p>
             <a:fld id="{9796027F-7875-4030-9381-8BD8C4F21935}" type="datetimeFigureOut">
               <a:rPr lang="en-US" dirty="0"/>
-              <a:t>4/4/2019</a:t>
+              <a:t>4/4/19</a:t>
             </a:fld>
             <a:endParaRPr lang="en-US" dirty="0"/>
           </a:p>
@@ -3869,7 +3875,7 @@
           <a:p>
             <a:fld id="{9796027F-7875-4030-9381-8BD8C4F21935}" type="datetimeFigureOut">
               <a:rPr lang="en-US" dirty="0"/>
-              <a:t>4/4/2019</a:t>
+              <a:t>4/4/19</a:t>
             </a:fld>
             <a:endParaRPr lang="en-US" dirty="0"/>
           </a:p>
@@ -4308,7 +4314,7 @@
           <a:p>
             <a:fld id="{9796027F-7875-4030-9381-8BD8C4F21935}" type="datetimeFigureOut">
               <a:rPr lang="en-US" dirty="0"/>
-              <a:t>4/4/2019</a:t>
+              <a:t>4/4/19</a:t>
             </a:fld>
             <a:endParaRPr lang="en-US" dirty="0"/>
           </a:p>
@@ -4421,7 +4427,7 @@
           <a:p>
             <a:fld id="{4509A250-FF31-4206-8172-F9D3106AACB1}" type="datetimeFigureOut">
               <a:rPr lang="en-US" dirty="0"/>
-              <a:t>4/4/2019</a:t>
+              <a:t>4/4/19</a:t>
             </a:fld>
             <a:endParaRPr lang="en-US" dirty="0"/>
           </a:p>
@@ -4511,7 +4517,7 @@
           <a:p>
             <a:fld id="{4509A250-FF31-4206-8172-F9D3106AACB1}" type="datetimeFigureOut">
               <a:rPr lang="en-US" dirty="0"/>
-              <a:t>4/4/2019</a:t>
+              <a:t>4/4/19</a:t>
             </a:fld>
             <a:endParaRPr lang="en-US" dirty="0"/>
           </a:p>
@@ -4785,7 +4791,7 @@
           <a:p>
             <a:fld id="{4509A250-FF31-4206-8172-F9D3106AACB1}" type="datetimeFigureOut">
               <a:rPr lang="en-US" dirty="0"/>
-              <a:t>4/4/2019</a:t>
+              <a:t>4/4/19</a:t>
             </a:fld>
             <a:endParaRPr lang="en-US" dirty="0"/>
           </a:p>
@@ -5055,7 +5061,7 @@
           <a:p>
             <a:fld id="{4509A250-FF31-4206-8172-F9D3106AACB1}" type="datetimeFigureOut">
               <a:rPr lang="en-US" dirty="0"/>
-              <a:t>4/4/2019</a:t>
+              <a:t>4/4/19</a:t>
             </a:fld>
             <a:endParaRPr lang="en-US" dirty="0"/>
           </a:p>
@@ -5479,7 +5485,7 @@
           <a:p>
             <a:fld id="{4AAD347D-5ACD-4C99-B74B-A9C85AD731AF}" type="datetimeFigureOut">
               <a:rPr lang="en-US" dirty="0"/>
-              <a:t>4/4/2019</a:t>
+              <a:t>4/4/19</a:t>
             </a:fld>
             <a:endParaRPr lang="en-US" dirty="0"/>
           </a:p>
@@ -6008,7 +6014,7 @@
           <p:cNvPr id="2" name="Title 1">
             <a:extLst>
               <a:ext uri="{FF2B5EF4-FFF2-40B4-BE49-F238E27FC236}">
-                <a16:creationId xmlns:a16="http://schemas.microsoft.com/office/drawing/2014/main" id="{3CE16BCE-57B5-4AC6-BD9D-0AF15055A2B9}"/>
+                <a16:creationId xmlns:a16="http://schemas.microsoft.com/office/drawing/2014/main" xmlns="" id="{3CE16BCE-57B5-4AC6-BD9D-0AF15055A2B9}"/>
               </a:ext>
             </a:extLst>
           </p:cNvPr>
@@ -6042,7 +6048,7 @@
           <p:cNvPr id="3" name="Subtitle 2">
             <a:extLst>
               <a:ext uri="{FF2B5EF4-FFF2-40B4-BE49-F238E27FC236}">
-                <a16:creationId xmlns:a16="http://schemas.microsoft.com/office/drawing/2014/main" id="{BACC0270-3096-45B2-8CB4-191D724C5D82}"/>
+                <a16:creationId xmlns:a16="http://schemas.microsoft.com/office/drawing/2014/main" xmlns="" id="{BACC0270-3096-45B2-8CB4-191D724C5D82}"/>
               </a:ext>
             </a:extLst>
           </p:cNvPr>
@@ -6115,7 +6121,7 @@
           <p:cNvPr id="2" name="Title 1">
             <a:extLst>
               <a:ext uri="{FF2B5EF4-FFF2-40B4-BE49-F238E27FC236}">
-                <a16:creationId xmlns:a16="http://schemas.microsoft.com/office/drawing/2014/main" id="{4D64A5DB-1ED7-44C5-8A92-74E81ABAC86B}"/>
+                <a16:creationId xmlns:a16="http://schemas.microsoft.com/office/drawing/2014/main" xmlns="" id="{4D64A5DB-1ED7-44C5-8A92-74E81ABAC86B}"/>
               </a:ext>
             </a:extLst>
           </p:cNvPr>
@@ -6144,7 +6150,7 @@
           <p:cNvPr id="3" name="Content Placeholder 2">
             <a:extLst>
               <a:ext uri="{FF2B5EF4-FFF2-40B4-BE49-F238E27FC236}">
-                <a16:creationId xmlns:a16="http://schemas.microsoft.com/office/drawing/2014/main" id="{546C9FA6-2423-4937-80D0-6B53006A6177}"/>
+                <a16:creationId xmlns:a16="http://schemas.microsoft.com/office/drawing/2014/main" xmlns="" id="{546C9FA6-2423-4937-80D0-6B53006A6177}"/>
               </a:ext>
             </a:extLst>
           </p:cNvPr>
@@ -6213,7 +6219,7 @@
           <p:cNvPr id="2" name="Title 1">
             <a:extLst>
               <a:ext uri="{FF2B5EF4-FFF2-40B4-BE49-F238E27FC236}">
-                <a16:creationId xmlns:a16="http://schemas.microsoft.com/office/drawing/2014/main" id="{17E433F8-4BC7-4D70-9AAB-202787C16851}"/>
+                <a16:creationId xmlns:a16="http://schemas.microsoft.com/office/drawing/2014/main" xmlns="" id="{17E433F8-4BC7-4D70-9AAB-202787C16851}"/>
               </a:ext>
             </a:extLst>
           </p:cNvPr>
@@ -6242,7 +6248,7 @@
           <p:cNvPr id="3" name="Content Placeholder 2">
             <a:extLst>
               <a:ext uri="{FF2B5EF4-FFF2-40B4-BE49-F238E27FC236}">
-                <a16:creationId xmlns:a16="http://schemas.microsoft.com/office/drawing/2014/main" id="{17E30B58-209E-4F0E-9BEE-97C7CF980557}"/>
+                <a16:creationId xmlns:a16="http://schemas.microsoft.com/office/drawing/2014/main" xmlns="" id="{17E30B58-209E-4F0E-9BEE-97C7CF980557}"/>
               </a:ext>
             </a:extLst>
           </p:cNvPr>
@@ -6273,6 +6279,22 @@
               <a:rPr lang="en-US" sz="4000" dirty="0"/>
               <a:t>Leap Motion </a:t>
             </a:r>
+            <a:endParaRPr lang="en-US" sz="4000" dirty="0"/>
+          </a:p>
+          <a:p>
+            <a:r>
+              <a:rPr lang="en-US" sz="4000" dirty="0" smtClean="0"/>
+              <a:t>Leap Motion SDK (</a:t>
+            </a:r>
+            <a:r>
+              <a:rPr lang="en-US" sz="4000" dirty="0" err="1" smtClean="0"/>
+              <a:t>macOS</a:t>
+            </a:r>
+            <a:r>
+              <a:rPr lang="en-US" sz="4000" dirty="0" smtClean="0"/>
+              <a:t>/Windows)</a:t>
+            </a:r>
+            <a:endParaRPr lang="en-US" sz="4000" dirty="0"/>
           </a:p>
           <a:p>
             <a:r>
@@ -6284,10 +6306,9 @@
               <a:t>Lejos</a:t>
             </a:r>
             <a:r>
-              <a:rPr lang="en-US" sz="4000" dirty="0"/>
+              <a:rPr lang="en-US" sz="4000" dirty="0" smtClean="0"/>
               <a:t>)</a:t>
             </a:r>
-            <a:endParaRPr lang="en-IE" sz="4000" dirty="0"/>
           </a:p>
         </p:txBody>
       </p:sp>
@@ -6321,100 +6342,40 @@
           <a:chExt cx="0" cy="0"/>
         </a:xfrm>
       </p:grpSpPr>
-      <p:sp>
-        <p:nvSpPr>
-          <p:cNvPr id="2" name="Title 1">
+      <p:pic>
+        <p:nvPicPr>
+          <p:cNvPr id="4" name="Picture 3"/>
+          <p:cNvPicPr>
+            <a:picLocks noChangeAspect="1"/>
+          </p:cNvPicPr>
+          <p:nvPr/>
+        </p:nvPicPr>
+        <p:blipFill>
+          <a:blip r:embed="rId2">
             <a:extLst>
-              <a:ext uri="{FF2B5EF4-FFF2-40B4-BE49-F238E27FC236}">
-                <a16:creationId xmlns:a16="http://schemas.microsoft.com/office/drawing/2014/main" id="{102572C9-9C34-4253-8C28-01233DB3741E}"/>
+              <a:ext uri="{28A0092B-C50C-407E-A947-70E740481C1C}">
+                <a14:useLocalDpi xmlns:a14="http://schemas.microsoft.com/office/drawing/2010/main" val="0"/>
               </a:ext>
             </a:extLst>
-          </p:cNvPr>
-          <p:cNvSpPr>
-            <a:spLocks noGrp="1"/>
-          </p:cNvSpPr>
-          <p:nvPr>
-            <p:ph type="title"/>
-          </p:nvPr>
-        </p:nvSpPr>
-        <p:spPr/>
-        <p:txBody>
-          <a:bodyPr/>
-          <a:lstStyle/>
-          <a:p>
-            <a:r>
-              <a:rPr lang="en-IE" dirty="0"/>
-              <a:t>Mechanical</a:t>
-            </a:r>
-            <a:r>
-              <a:rPr lang="en-US" dirty="0"/>
-              <a:t> Arm Setup</a:t>
-            </a:r>
-            <a:endParaRPr lang="en-IE" dirty="0"/>
-          </a:p>
-        </p:txBody>
-      </p:sp>
-      <p:sp>
-        <p:nvSpPr>
-          <p:cNvPr id="3" name="Content Placeholder 2">
-            <a:extLst>
-              <a:ext uri="{FF2B5EF4-FFF2-40B4-BE49-F238E27FC236}">
-                <a16:creationId xmlns:a16="http://schemas.microsoft.com/office/drawing/2014/main" id="{F7C0AAE1-189A-4EBE-98A7-CD7855CBC065}"/>
-              </a:ext>
-            </a:extLst>
-          </p:cNvPr>
-          <p:cNvSpPr>
-            <a:spLocks noGrp="1"/>
-          </p:cNvSpPr>
-          <p:nvPr>
-            <p:ph idx="1"/>
-          </p:nvPr>
-        </p:nvSpPr>
-        <p:spPr/>
-        <p:txBody>
-          <a:bodyPr/>
-          <a:lstStyle/>
-          <a:p>
-            <a:r>
-              <a:rPr lang="en-US" sz="3200" dirty="0"/>
-              <a:t>Build Arm</a:t>
-            </a:r>
-          </a:p>
-          <a:p>
-            <a:r>
-              <a:rPr lang="en-US" sz="3200" dirty="0"/>
-              <a:t>Flash a mini 32bit Java Virtual Machine onto Lego NXT Device </a:t>
-            </a:r>
-          </a:p>
-          <a:p>
-            <a:r>
-              <a:rPr lang="en-US" sz="3200" dirty="0"/>
-              <a:t>Download 32bit version of Java 8 and Eclipse</a:t>
-            </a:r>
-          </a:p>
-          <a:p>
-            <a:r>
-              <a:rPr lang="en-US" sz="3200" dirty="0"/>
-              <a:t>Download and Install </a:t>
-            </a:r>
-            <a:r>
-              <a:rPr lang="en-US" sz="3200" dirty="0" err="1"/>
-              <a:t>Lejos</a:t>
-            </a:r>
-            <a:r>
-              <a:rPr lang="en-US" sz="3200" dirty="0"/>
-              <a:t> Eclipse extension</a:t>
-            </a:r>
-          </a:p>
-          <a:p>
-            <a:endParaRPr lang="en-IE" dirty="0"/>
-          </a:p>
-        </p:txBody>
-      </p:sp>
+          </a:blip>
+          <a:stretch>
+            <a:fillRect/>
+          </a:stretch>
+        </p:blipFill>
+        <p:spPr>
+          <a:xfrm>
+            <a:off x="977900" y="1447800"/>
+            <a:ext cx="10058400" cy="3898410"/>
+          </a:xfrm>
+          <a:prstGeom prst="rect">
+            <a:avLst/>
+          </a:prstGeom>
+        </p:spPr>
+      </p:pic>
     </p:spTree>
     <p:extLst>
       <p:ext uri="{BB962C8B-B14F-4D97-AF65-F5344CB8AC3E}">
-        <p14:creationId xmlns:p14="http://schemas.microsoft.com/office/powerpoint/2010/main" val="1419579602"/>
+        <p14:creationId xmlns:p14="http://schemas.microsoft.com/office/powerpoint/2010/main" val="1554098085"/>
       </p:ext>
     </p:extLst>
   </p:cSld>
@@ -6446,7 +6407,7 @@
           <p:cNvPr id="2" name="Title 1">
             <a:extLst>
               <a:ext uri="{FF2B5EF4-FFF2-40B4-BE49-F238E27FC236}">
-                <a16:creationId xmlns:a16="http://schemas.microsoft.com/office/drawing/2014/main" id="{1A2CB77B-56FF-484E-8A7D-0B1F5C008472}"/>
+                <a16:creationId xmlns:a16="http://schemas.microsoft.com/office/drawing/2014/main" xmlns="" id="{102572C9-9C34-4253-8C28-01233DB3741E}"/>
               </a:ext>
             </a:extLst>
           </p:cNvPr>
@@ -6463,10 +6424,14 @@
           <a:lstStyle/>
           <a:p>
             <a:r>
-              <a:rPr lang="en-US" sz="6000" dirty="0"/>
-              <a:t>Leap Motion Gestures</a:t>
-            </a:r>
-            <a:endParaRPr lang="en-IE" sz="6000" dirty="0"/>
+              <a:rPr lang="en-IE" dirty="0"/>
+              <a:t>Mechanical</a:t>
+            </a:r>
+            <a:r>
+              <a:rPr lang="en-US" dirty="0"/>
+              <a:t> Arm Setup</a:t>
+            </a:r>
+            <a:endParaRPr lang="en-IE" dirty="0"/>
           </a:p>
         </p:txBody>
       </p:sp>
@@ -6475,7 +6440,7 @@
           <p:cNvPr id="3" name="Content Placeholder 2">
             <a:extLst>
               <a:ext uri="{FF2B5EF4-FFF2-40B4-BE49-F238E27FC236}">
-                <a16:creationId xmlns:a16="http://schemas.microsoft.com/office/drawing/2014/main" id="{9442773B-9360-4357-800A-4B9495141E3A}"/>
+                <a16:creationId xmlns:a16="http://schemas.microsoft.com/office/drawing/2014/main" xmlns="" id="{F7C0AAE1-189A-4EBE-98A7-CD7855CBC065}"/>
               </a:ext>
             </a:extLst>
           </p:cNvPr>
@@ -6486,85 +6451,40 @@
             <p:ph idx="1"/>
           </p:nvPr>
         </p:nvSpPr>
-        <p:spPr>
-          <a:xfrm>
-            <a:off x="531418" y="1853248"/>
-            <a:ext cx="12150775" cy="4195481"/>
-          </a:xfrm>
-        </p:spPr>
-        <p:txBody>
-          <a:bodyPr>
-            <a:normAutofit/>
-          </a:bodyPr>
-          <a:lstStyle/>
-          <a:p>
-            <a:r>
-              <a:rPr lang="en-US" sz="3600" dirty="0">
-                <a:solidFill>
-                  <a:srgbClr val="FF0000"/>
-                </a:solidFill>
-              </a:rPr>
-              <a:t>Right Hand Closed Fist </a:t>
-            </a:r>
-            <a:r>
-              <a:rPr lang="en-US" sz="3600" dirty="0"/>
-              <a:t>– Close Claw</a:t>
-            </a:r>
-          </a:p>
-          <a:p>
-            <a:r>
-              <a:rPr lang="en-US" sz="3600" dirty="0">
-                <a:solidFill>
-                  <a:srgbClr val="FF0000"/>
-                </a:solidFill>
-              </a:rPr>
-              <a:t>Right Hand Upside down Closed Fist </a:t>
-            </a:r>
-            <a:r>
-              <a:rPr lang="en-US" sz="3600" dirty="0"/>
-              <a:t>– Open Claw</a:t>
-            </a:r>
-          </a:p>
-          <a:p>
-            <a:r>
-              <a:rPr lang="en-US" sz="3600" dirty="0">
-                <a:solidFill>
-                  <a:srgbClr val="FF0000"/>
-                </a:solidFill>
-              </a:rPr>
-              <a:t>Left Hand Finger Circle </a:t>
-            </a:r>
-            <a:r>
-              <a:rPr lang="en-US" sz="3600" dirty="0"/>
-              <a:t>– Rotate Arm Base</a:t>
-            </a:r>
-          </a:p>
-          <a:p>
-            <a:r>
-              <a:rPr lang="en-US" sz="3600" dirty="0">
-                <a:solidFill>
-                  <a:srgbClr val="FF0000"/>
-                </a:solidFill>
-              </a:rPr>
-              <a:t>Left Hand Index Finger Tap </a:t>
-            </a:r>
-            <a:r>
-              <a:rPr lang="en-US" sz="3600" dirty="0"/>
-              <a:t>– Rise Arm</a:t>
-            </a:r>
-          </a:p>
-          <a:p>
-            <a:r>
-              <a:rPr lang="en-US" sz="3600" dirty="0">
-                <a:solidFill>
-                  <a:srgbClr val="FF0000"/>
-                </a:solidFill>
-              </a:rPr>
-              <a:t>Left Hand Middle Finger Tap </a:t>
-            </a:r>
-            <a:r>
-              <a:rPr lang="en-US" sz="3600" dirty="0"/>
-              <a:t>– Lower Arm</a:t>
+        <p:spPr/>
+        <p:txBody>
+          <a:bodyPr/>
+          <a:lstStyle/>
+          <a:p>
+            <a:r>
+              <a:rPr lang="en-US" sz="3200" dirty="0"/>
+              <a:t>Build Arm</a:t>
+            </a:r>
+          </a:p>
+          <a:p>
+            <a:r>
+              <a:rPr lang="en-US" sz="3200" dirty="0"/>
+              <a:t>Flash a mini 32bit Java Virtual Machine onto Lego NXT Device </a:t>
+            </a:r>
+          </a:p>
+          <a:p>
+            <a:r>
+              <a:rPr lang="en-US" sz="3200" dirty="0"/>
+              <a:t>Download 32bit version of Java 8 and Eclipse</a:t>
+            </a:r>
+          </a:p>
+          <a:p>
+            <a:r>
+              <a:rPr lang="en-US" sz="3200" dirty="0"/>
+              <a:t>Download and Install </a:t>
+            </a:r>
+            <a:r>
+              <a:rPr lang="en-US" sz="3200" dirty="0" err="1"/>
+              <a:t>Lejos</a:t>
+            </a:r>
+            <a:r>
+              <a:rPr lang="en-US" sz="3200" dirty="0"/>
+              <a:t> Eclipse extension</a:t>
             </a:r>
           </a:p>
           <a:p>
@@ -6575,7 +6495,7 @@
     </p:spTree>
     <p:extLst>
       <p:ext uri="{BB962C8B-B14F-4D97-AF65-F5344CB8AC3E}">
-        <p14:creationId xmlns:p14="http://schemas.microsoft.com/office/powerpoint/2010/main" val="1918306171"/>
+        <p14:creationId xmlns:p14="http://schemas.microsoft.com/office/powerpoint/2010/main" val="1419579602"/>
       </p:ext>
     </p:extLst>
   </p:cSld>
@@ -6607,7 +6527,7 @@
           <p:cNvPr id="2" name="Title 1">
             <a:extLst>
               <a:ext uri="{FF2B5EF4-FFF2-40B4-BE49-F238E27FC236}">
-                <a16:creationId xmlns:a16="http://schemas.microsoft.com/office/drawing/2014/main" id="{29B2CD78-BDF2-4BBB-A5B3-EE8F1804A3DD}"/>
+                <a16:creationId xmlns:a16="http://schemas.microsoft.com/office/drawing/2014/main" xmlns="" id="{1A2CB77B-56FF-484E-8A7D-0B1F5C008472}"/>
               </a:ext>
             </a:extLst>
           </p:cNvPr>
@@ -6618,28 +6538,125 @@
             <p:ph type="title"/>
           </p:nvPr>
         </p:nvSpPr>
+        <p:spPr/>
+        <p:txBody>
+          <a:bodyPr/>
+          <a:lstStyle/>
+          <a:p>
+            <a:r>
+              <a:rPr lang="en-US" sz="6000" dirty="0"/>
+              <a:t>Leap Motion Gestures</a:t>
+            </a:r>
+            <a:endParaRPr lang="en-IE" sz="6000" dirty="0"/>
+          </a:p>
+        </p:txBody>
+      </p:sp>
+      <p:sp>
+        <p:nvSpPr>
+          <p:cNvPr id="3" name="Content Placeholder 2">
+            <a:extLst>
+              <a:ext uri="{FF2B5EF4-FFF2-40B4-BE49-F238E27FC236}">
+                <a16:creationId xmlns:a16="http://schemas.microsoft.com/office/drawing/2014/main" xmlns="" id="{9442773B-9360-4357-800A-4B9495141E3A}"/>
+              </a:ext>
+            </a:extLst>
+          </p:cNvPr>
+          <p:cNvSpPr>
+            <a:spLocks noGrp="1"/>
+          </p:cNvSpPr>
+          <p:nvPr>
+            <p:ph idx="1"/>
+          </p:nvPr>
+        </p:nvSpPr>
         <p:spPr>
           <a:xfrm>
-            <a:off x="2946251" y="2941395"/>
-            <a:ext cx="9404723" cy="1400530"/>
+            <a:off x="531418" y="1853248"/>
+            <a:ext cx="12150775" cy="4195481"/>
           </a:xfrm>
         </p:spPr>
         <p:txBody>
-          <a:bodyPr/>
-          <a:lstStyle/>
-          <a:p>
-            <a:r>
-              <a:rPr lang="en-US" sz="6000" dirty="0"/>
-              <a:t>Live Presentation</a:t>
-            </a:r>
-            <a:endParaRPr lang="en-IE" sz="6000" dirty="0"/>
+          <a:bodyPr>
+            <a:normAutofit/>
+          </a:bodyPr>
+          <a:lstStyle/>
+          <a:p>
+            <a:r>
+              <a:rPr lang="en-US" sz="3600" dirty="0">
+                <a:solidFill>
+                  <a:srgbClr val="FF0000"/>
+                </a:solidFill>
+              </a:rPr>
+              <a:t>Right Hand Closed Fist </a:t>
+            </a:r>
+            <a:r>
+              <a:rPr lang="en-US" sz="3600" dirty="0"/>
+              <a:t>– Close Claw</a:t>
+            </a:r>
+          </a:p>
+          <a:p>
+            <a:r>
+              <a:rPr lang="en-US" sz="3600" dirty="0">
+                <a:solidFill>
+                  <a:srgbClr val="FF0000"/>
+                </a:solidFill>
+              </a:rPr>
+              <a:t>Right Hand Upside down Closed Fist </a:t>
+            </a:r>
+            <a:r>
+              <a:rPr lang="en-US" sz="3600" dirty="0"/>
+              <a:t>– Open Claw</a:t>
+            </a:r>
+          </a:p>
+          <a:p>
+            <a:r>
+              <a:rPr lang="en-US" sz="3600" dirty="0">
+                <a:solidFill>
+                  <a:srgbClr val="FF0000"/>
+                </a:solidFill>
+              </a:rPr>
+              <a:t>Left Hand Finger Circle </a:t>
+            </a:r>
+            <a:r>
+              <a:rPr lang="en-US" sz="3600" dirty="0"/>
+              <a:t>– Rotate Arm Base</a:t>
+            </a:r>
+          </a:p>
+          <a:p>
+            <a:r>
+              <a:rPr lang="en-US" sz="3600" dirty="0">
+                <a:solidFill>
+                  <a:srgbClr val="FF0000"/>
+                </a:solidFill>
+              </a:rPr>
+              <a:t>Left Hand Index Finger Tap </a:t>
+            </a:r>
+            <a:r>
+              <a:rPr lang="en-US" sz="3600" dirty="0"/>
+              <a:t>– Rise Arm</a:t>
+            </a:r>
+          </a:p>
+          <a:p>
+            <a:r>
+              <a:rPr lang="en-US" sz="3600" dirty="0">
+                <a:solidFill>
+                  <a:srgbClr val="FF0000"/>
+                </a:solidFill>
+              </a:rPr>
+              <a:t>Left Hand Middle Finger Tap </a:t>
+            </a:r>
+            <a:r>
+              <a:rPr lang="en-US" sz="3600" dirty="0"/>
+              <a:t>– Lower Arm</a:t>
+            </a:r>
+          </a:p>
+          <a:p>
+            <a:endParaRPr lang="en-IE" dirty="0"/>
           </a:p>
         </p:txBody>
       </p:sp>
     </p:spTree>
     <p:extLst>
       <p:ext uri="{BB962C8B-B14F-4D97-AF65-F5344CB8AC3E}">
-        <p14:creationId xmlns:p14="http://schemas.microsoft.com/office/powerpoint/2010/main" val="151178072"/>
+        <p14:creationId xmlns:p14="http://schemas.microsoft.com/office/powerpoint/2010/main" val="1918306171"/>
       </p:ext>
     </p:extLst>
   </p:cSld>
@@ -6671,7 +6688,71 @@
           <p:cNvPr id="2" name="Title 1">
             <a:extLst>
               <a:ext uri="{FF2B5EF4-FFF2-40B4-BE49-F238E27FC236}">
-                <a16:creationId xmlns:a16="http://schemas.microsoft.com/office/drawing/2014/main" id="{DAA10059-0CAB-4820-B48F-18D2FE58784A}"/>
+                <a16:creationId xmlns:a16="http://schemas.microsoft.com/office/drawing/2014/main" xmlns="" id="{29B2CD78-BDF2-4BBB-A5B3-EE8F1804A3DD}"/>
+              </a:ext>
+            </a:extLst>
+          </p:cNvPr>
+          <p:cNvSpPr>
+            <a:spLocks noGrp="1"/>
+          </p:cNvSpPr>
+          <p:nvPr>
+            <p:ph type="title"/>
+          </p:nvPr>
+        </p:nvSpPr>
+        <p:spPr>
+          <a:xfrm>
+            <a:off x="2946251" y="2941395"/>
+            <a:ext cx="9404723" cy="1400530"/>
+          </a:xfrm>
+        </p:spPr>
+        <p:txBody>
+          <a:bodyPr/>
+          <a:lstStyle/>
+          <a:p>
+            <a:r>
+              <a:rPr lang="en-US" sz="6000" dirty="0"/>
+              <a:t>Live Presentation</a:t>
+            </a:r>
+            <a:endParaRPr lang="en-IE" sz="6000" dirty="0"/>
+          </a:p>
+        </p:txBody>
+      </p:sp>
+    </p:spTree>
+    <p:extLst>
+      <p:ext uri="{BB962C8B-B14F-4D97-AF65-F5344CB8AC3E}">
+        <p14:creationId xmlns:p14="http://schemas.microsoft.com/office/powerpoint/2010/main" val="151178072"/>
+      </p:ext>
+    </p:extLst>
+  </p:cSld>
+  <p:clrMapOvr>
+    <a:masterClrMapping/>
+  </p:clrMapOvr>
+</p:sld>
+</file>
+
+<file path=ppt/slides/slide8.xml><?xml version="1.0" encoding="utf-8"?>
+<p:sld xmlns:a="http://schemas.openxmlformats.org/drawingml/2006/main" xmlns:r="http://schemas.openxmlformats.org/officeDocument/2006/relationships" xmlns:p="http://schemas.openxmlformats.org/presentationml/2006/main">
+  <p:cSld>
+    <p:spTree>
+      <p:nvGrpSpPr>
+        <p:cNvPr id="1" name=""/>
+        <p:cNvGrpSpPr/>
+        <p:nvPr/>
+      </p:nvGrpSpPr>
+      <p:grpSpPr>
+        <a:xfrm>
+          <a:off x="0" y="0"/>
+          <a:ext cx="0" cy="0"/>
+          <a:chOff x="0" y="0"/>
+          <a:chExt cx="0" cy="0"/>
+        </a:xfrm>
+      </p:grpSpPr>
+      <p:sp>
+        <p:nvSpPr>
+          <p:cNvPr id="2" name="Title 1">
+            <a:extLst>
+              <a:ext uri="{FF2B5EF4-FFF2-40B4-BE49-F238E27FC236}">
+                <a16:creationId xmlns:a16="http://schemas.microsoft.com/office/drawing/2014/main" xmlns="" id="{DAA10059-0CAB-4820-B48F-18D2FE58784A}"/>
               </a:ext>
             </a:extLst>
           </p:cNvPr>

--- a/presentation.pptx
+++ b/presentation.pptx
@@ -305,7 +305,7 @@
           <a:p>
             <a:fld id="{4AAD347D-5ACD-4C99-B74B-A9C85AD731AF}" type="datetimeFigureOut">
               <a:rPr lang="en-US" dirty="0"/>
-              <a:t>4/4/19</a:t>
+              <a:t>4/4/2019</a:t>
             </a:fld>
             <a:endParaRPr lang="en-US" dirty="0"/>
           </a:p>
@@ -575,7 +575,7 @@
           <a:p>
             <a:fld id="{4509A250-FF31-4206-8172-F9D3106AACB1}" type="datetimeFigureOut">
               <a:rPr lang="en-US" dirty="0"/>
-              <a:t>4/4/19</a:t>
+              <a:t>4/4/2019</a:t>
             </a:fld>
             <a:endParaRPr lang="en-US" dirty="0"/>
           </a:p>
@@ -764,7 +764,7 @@
           <a:p>
             <a:fld id="{4509A250-FF31-4206-8172-F9D3106AACB1}" type="datetimeFigureOut">
               <a:rPr lang="en-US" dirty="0"/>
-              <a:t>4/4/19</a:t>
+              <a:t>4/4/2019</a:t>
             </a:fld>
             <a:endParaRPr lang="en-US" dirty="0"/>
           </a:p>
@@ -1032,7 +1032,7 @@
           <a:p>
             <a:fld id="{4509A250-FF31-4206-8172-F9D3106AACB1}" type="datetimeFigureOut">
               <a:rPr lang="en-US" dirty="0"/>
-              <a:t>4/4/19</a:t>
+              <a:t>4/4/2019</a:t>
             </a:fld>
             <a:endParaRPr lang="en-US" dirty="0"/>
           </a:p>
@@ -1368,7 +1368,7 @@
           <a:p>
             <a:fld id="{4509A250-FF31-4206-8172-F9D3106AACB1}" type="datetimeFigureOut">
               <a:rPr lang="en-US" dirty="0"/>
-              <a:t>4/4/19</a:t>
+              <a:t>4/4/2019</a:t>
             </a:fld>
             <a:endParaRPr lang="en-US" dirty="0"/>
           </a:p>
@@ -1986,7 +1986,7 @@
           <a:p>
             <a:fld id="{4509A250-FF31-4206-8172-F9D3106AACB1}" type="datetimeFigureOut">
               <a:rPr lang="en-US" dirty="0"/>
-              <a:t>4/4/19</a:t>
+              <a:t>4/4/2019</a:t>
             </a:fld>
             <a:endParaRPr lang="en-US" dirty="0"/>
           </a:p>
@@ -2841,7 +2841,7 @@
           <a:p>
             <a:fld id="{4509A250-FF31-4206-8172-F9D3106AACB1}" type="datetimeFigureOut">
               <a:rPr lang="en-US" dirty="0"/>
-              <a:t>4/4/19</a:t>
+              <a:t>4/4/2019</a:t>
             </a:fld>
             <a:endParaRPr lang="en-US" dirty="0"/>
           </a:p>
@@ -3006,7 +3006,7 @@
           <a:p>
             <a:fld id="{4509A250-FF31-4206-8172-F9D3106AACB1}" type="datetimeFigureOut">
               <a:rPr lang="en-US" dirty="0"/>
-              <a:t>4/4/19</a:t>
+              <a:t>4/4/2019</a:t>
             </a:fld>
             <a:endParaRPr lang="en-US" dirty="0"/>
           </a:p>
@@ -3181,7 +3181,7 @@
           <a:p>
             <a:fld id="{4509A250-FF31-4206-8172-F9D3106AACB1}" type="datetimeFigureOut">
               <a:rPr lang="en-US" dirty="0"/>
-              <a:t>4/4/19</a:t>
+              <a:t>4/4/2019</a:t>
             </a:fld>
             <a:endParaRPr lang="en-US" dirty="0"/>
           </a:p>
@@ -3346,7 +3346,7 @@
           <a:p>
             <a:fld id="{4509A250-FF31-4206-8172-F9D3106AACB1}" type="datetimeFigureOut">
               <a:rPr lang="en-US" dirty="0"/>
-              <a:t>4/4/19</a:t>
+              <a:t>4/4/2019</a:t>
             </a:fld>
             <a:endParaRPr lang="en-US" dirty="0"/>
           </a:p>
@@ -3588,7 +3588,7 @@
           <a:p>
             <a:fld id="{9796027F-7875-4030-9381-8BD8C4F21935}" type="datetimeFigureOut">
               <a:rPr lang="en-US" dirty="0"/>
-              <a:t>4/4/19</a:t>
+              <a:t>4/4/2019</a:t>
             </a:fld>
             <a:endParaRPr lang="en-US" dirty="0"/>
           </a:p>
@@ -3875,7 +3875,7 @@
           <a:p>
             <a:fld id="{9796027F-7875-4030-9381-8BD8C4F21935}" type="datetimeFigureOut">
               <a:rPr lang="en-US" dirty="0"/>
-              <a:t>4/4/19</a:t>
+              <a:t>4/4/2019</a:t>
             </a:fld>
             <a:endParaRPr lang="en-US" dirty="0"/>
           </a:p>
@@ -4314,7 +4314,7 @@
           <a:p>
             <a:fld id="{9796027F-7875-4030-9381-8BD8C4F21935}" type="datetimeFigureOut">
               <a:rPr lang="en-US" dirty="0"/>
-              <a:t>4/4/19</a:t>
+              <a:t>4/4/2019</a:t>
             </a:fld>
             <a:endParaRPr lang="en-US" dirty="0"/>
           </a:p>
@@ -4427,7 +4427,7 @@
           <a:p>
             <a:fld id="{4509A250-FF31-4206-8172-F9D3106AACB1}" type="datetimeFigureOut">
               <a:rPr lang="en-US" dirty="0"/>
-              <a:t>4/4/19</a:t>
+              <a:t>4/4/2019</a:t>
             </a:fld>
             <a:endParaRPr lang="en-US" dirty="0"/>
           </a:p>
@@ -4517,7 +4517,7 @@
           <a:p>
             <a:fld id="{4509A250-FF31-4206-8172-F9D3106AACB1}" type="datetimeFigureOut">
               <a:rPr lang="en-US" dirty="0"/>
-              <a:t>4/4/19</a:t>
+              <a:t>4/4/2019</a:t>
             </a:fld>
             <a:endParaRPr lang="en-US" dirty="0"/>
           </a:p>
@@ -4791,7 +4791,7 @@
           <a:p>
             <a:fld id="{4509A250-FF31-4206-8172-F9D3106AACB1}" type="datetimeFigureOut">
               <a:rPr lang="en-US" dirty="0"/>
-              <a:t>4/4/19</a:t>
+              <a:t>4/4/2019</a:t>
             </a:fld>
             <a:endParaRPr lang="en-US" dirty="0"/>
           </a:p>
@@ -5061,7 +5061,7 @@
           <a:p>
             <a:fld id="{4509A250-FF31-4206-8172-F9D3106AACB1}" type="datetimeFigureOut">
               <a:rPr lang="en-US" dirty="0"/>
-              <a:t>4/4/19</a:t>
+              <a:t>4/4/2019</a:t>
             </a:fld>
             <a:endParaRPr lang="en-US" dirty="0"/>
           </a:p>
@@ -5485,7 +5485,7 @@
           <a:p>
             <a:fld id="{4AAD347D-5ACD-4C99-B74B-A9C85AD731AF}" type="datetimeFigureOut">
               <a:rPr lang="en-US" dirty="0"/>
-              <a:t>4/4/19</a:t>
+              <a:t>4/4/2019</a:t>
             </a:fld>
             <a:endParaRPr lang="en-US" dirty="0"/>
           </a:p>
@@ -6014,7 +6014,7 @@
           <p:cNvPr id="2" name="Title 1">
             <a:extLst>
               <a:ext uri="{FF2B5EF4-FFF2-40B4-BE49-F238E27FC236}">
-                <a16:creationId xmlns:a16="http://schemas.microsoft.com/office/drawing/2014/main" xmlns="" id="{3CE16BCE-57B5-4AC6-BD9D-0AF15055A2B9}"/>
+                <a16:creationId xmlns:a16="http://schemas.microsoft.com/office/drawing/2014/main" id="{3CE16BCE-57B5-4AC6-BD9D-0AF15055A2B9}"/>
               </a:ext>
             </a:extLst>
           </p:cNvPr>
@@ -6048,7 +6048,7 @@
           <p:cNvPr id="3" name="Subtitle 2">
             <a:extLst>
               <a:ext uri="{FF2B5EF4-FFF2-40B4-BE49-F238E27FC236}">
-                <a16:creationId xmlns:a16="http://schemas.microsoft.com/office/drawing/2014/main" xmlns="" id="{BACC0270-3096-45B2-8CB4-191D724C5D82}"/>
+                <a16:creationId xmlns:a16="http://schemas.microsoft.com/office/drawing/2014/main" id="{BACC0270-3096-45B2-8CB4-191D724C5D82}"/>
               </a:ext>
             </a:extLst>
           </p:cNvPr>
@@ -6121,7 +6121,7 @@
           <p:cNvPr id="2" name="Title 1">
             <a:extLst>
               <a:ext uri="{FF2B5EF4-FFF2-40B4-BE49-F238E27FC236}">
-                <a16:creationId xmlns:a16="http://schemas.microsoft.com/office/drawing/2014/main" xmlns="" id="{4D64A5DB-1ED7-44C5-8A92-74E81ABAC86B}"/>
+                <a16:creationId xmlns:a16="http://schemas.microsoft.com/office/drawing/2014/main" id="{4D64A5DB-1ED7-44C5-8A92-74E81ABAC86B}"/>
               </a:ext>
             </a:extLst>
           </p:cNvPr>
@@ -6150,7 +6150,7 @@
           <p:cNvPr id="3" name="Content Placeholder 2">
             <a:extLst>
               <a:ext uri="{FF2B5EF4-FFF2-40B4-BE49-F238E27FC236}">
-                <a16:creationId xmlns:a16="http://schemas.microsoft.com/office/drawing/2014/main" xmlns="" id="{546C9FA6-2423-4937-80D0-6B53006A6177}"/>
+                <a16:creationId xmlns:a16="http://schemas.microsoft.com/office/drawing/2014/main" id="{546C9FA6-2423-4937-80D0-6B53006A6177}"/>
               </a:ext>
             </a:extLst>
           </p:cNvPr>
@@ -6219,7 +6219,7 @@
           <p:cNvPr id="2" name="Title 1">
             <a:extLst>
               <a:ext uri="{FF2B5EF4-FFF2-40B4-BE49-F238E27FC236}">
-                <a16:creationId xmlns:a16="http://schemas.microsoft.com/office/drawing/2014/main" xmlns="" id="{17E433F8-4BC7-4D70-9AAB-202787C16851}"/>
+                <a16:creationId xmlns:a16="http://schemas.microsoft.com/office/drawing/2014/main" id="{17E433F8-4BC7-4D70-9AAB-202787C16851}"/>
               </a:ext>
             </a:extLst>
           </p:cNvPr>
@@ -6248,7 +6248,7 @@
           <p:cNvPr id="3" name="Content Placeholder 2">
             <a:extLst>
               <a:ext uri="{FF2B5EF4-FFF2-40B4-BE49-F238E27FC236}">
-                <a16:creationId xmlns:a16="http://schemas.microsoft.com/office/drawing/2014/main" xmlns="" id="{17E30B58-209E-4F0E-9BEE-97C7CF980557}"/>
+                <a16:creationId xmlns:a16="http://schemas.microsoft.com/office/drawing/2014/main" id="{17E30B58-209E-4F0E-9BEE-97C7CF980557}"/>
               </a:ext>
             </a:extLst>
           </p:cNvPr>
@@ -6279,22 +6279,20 @@
               <a:rPr lang="en-US" sz="4000" dirty="0"/>
               <a:t>Leap Motion </a:t>
             </a:r>
-            <a:endParaRPr lang="en-US" sz="4000" dirty="0"/>
-          </a:p>
-          <a:p>
-            <a:r>
-              <a:rPr lang="en-US" sz="4000" dirty="0" smtClean="0"/>
+          </a:p>
+          <a:p>
+            <a:r>
+              <a:rPr lang="en-US" sz="4000" dirty="0"/>
               <a:t>Leap Motion SDK (</a:t>
             </a:r>
             <a:r>
-              <a:rPr lang="en-US" sz="4000" dirty="0" err="1" smtClean="0"/>
+              <a:rPr lang="en-US" sz="4000" dirty="0" err="1"/>
               <a:t>macOS</a:t>
             </a:r>
             <a:r>
-              <a:rPr lang="en-US" sz="4000" dirty="0" smtClean="0"/>
+              <a:rPr lang="en-US" sz="4000" dirty="0"/>
               <a:t>/Windows)</a:t>
             </a:r>
-            <a:endParaRPr lang="en-US" sz="4000" dirty="0"/>
           </a:p>
           <a:p>
             <a:r>
@@ -6306,7 +6304,7 @@
               <a:t>Lejos</a:t>
             </a:r>
             <a:r>
-              <a:rPr lang="en-US" sz="4000" dirty="0" smtClean="0"/>
+              <a:rPr lang="en-US" sz="4000" dirty="0"/>
               <a:t>)</a:t>
             </a:r>
           </a:p>
@@ -6407,7 +6405,7 @@
           <p:cNvPr id="2" name="Title 1">
             <a:extLst>
               <a:ext uri="{FF2B5EF4-FFF2-40B4-BE49-F238E27FC236}">
-                <a16:creationId xmlns:a16="http://schemas.microsoft.com/office/drawing/2014/main" xmlns="" id="{102572C9-9C34-4253-8C28-01233DB3741E}"/>
+                <a16:creationId xmlns:a16="http://schemas.microsoft.com/office/drawing/2014/main" id="{102572C9-9C34-4253-8C28-01233DB3741E}"/>
               </a:ext>
             </a:extLst>
           </p:cNvPr>
@@ -6440,7 +6438,7 @@
           <p:cNvPr id="3" name="Content Placeholder 2">
             <a:extLst>
               <a:ext uri="{FF2B5EF4-FFF2-40B4-BE49-F238E27FC236}">
-                <a16:creationId xmlns:a16="http://schemas.microsoft.com/office/drawing/2014/main" xmlns="" id="{F7C0AAE1-189A-4EBE-98A7-CD7855CBC065}"/>
+                <a16:creationId xmlns:a16="http://schemas.microsoft.com/office/drawing/2014/main" id="{F7C0AAE1-189A-4EBE-98A7-CD7855CBC065}"/>
               </a:ext>
             </a:extLst>
           </p:cNvPr>
@@ -6527,7 +6525,7 @@
           <p:cNvPr id="2" name="Title 1">
             <a:extLst>
               <a:ext uri="{FF2B5EF4-FFF2-40B4-BE49-F238E27FC236}">
-                <a16:creationId xmlns:a16="http://schemas.microsoft.com/office/drawing/2014/main" xmlns="" id="{1A2CB77B-56FF-484E-8A7D-0B1F5C008472}"/>
+                <a16:creationId xmlns:a16="http://schemas.microsoft.com/office/drawing/2014/main" id="{1A2CB77B-56FF-484E-8A7D-0B1F5C008472}"/>
               </a:ext>
             </a:extLst>
           </p:cNvPr>
@@ -6556,7 +6554,7 @@
           <p:cNvPr id="3" name="Content Placeholder 2">
             <a:extLst>
               <a:ext uri="{FF2B5EF4-FFF2-40B4-BE49-F238E27FC236}">
-                <a16:creationId xmlns:a16="http://schemas.microsoft.com/office/drawing/2014/main" xmlns="" id="{9442773B-9360-4357-800A-4B9495141E3A}"/>
+                <a16:creationId xmlns:a16="http://schemas.microsoft.com/office/drawing/2014/main" id="{9442773B-9360-4357-800A-4B9495141E3A}"/>
               </a:ext>
             </a:extLst>
           </p:cNvPr>
@@ -6569,8 +6567,8 @@
         </p:nvSpPr>
         <p:spPr>
           <a:xfrm>
-            <a:off x="531418" y="1853248"/>
-            <a:ext cx="12150775" cy="4195481"/>
+            <a:off x="646111" y="2071909"/>
+            <a:ext cx="4770715" cy="4195481"/>
           </a:xfrm>
         </p:spPr>
         <p:txBody>
@@ -6579,22 +6577,350 @@
           </a:bodyPr>
           <a:lstStyle/>
           <a:p>
+            <a:pPr marL="0" indent="0">
+              <a:buNone/>
+            </a:pPr>
+            <a:r>
+              <a:rPr lang="en-US" sz="3600" dirty="0">
+                <a:solidFill>
+                  <a:srgbClr val="FFFF00"/>
+                </a:solidFill>
+              </a:rPr>
+              <a:t>Left Hand Gestures</a:t>
+            </a:r>
+          </a:p>
+          <a:p>
+            <a:r>
+              <a:rPr lang="en-US" sz="3200" dirty="0">
+                <a:solidFill>
+                  <a:srgbClr val="FFFF00"/>
+                </a:solidFill>
+              </a:rPr>
+              <a:t>Closed Fist </a:t>
+            </a:r>
+            <a:r>
+              <a:rPr lang="en-US" sz="3200" dirty="0"/>
+              <a:t>– Stop </a:t>
+            </a:r>
+          </a:p>
+          <a:p>
+            <a:r>
+              <a:rPr lang="en-US" sz="3200">
+                <a:solidFill>
+                  <a:srgbClr val="FFFF00"/>
+                </a:solidFill>
+              </a:rPr>
+              <a:t>Swipe Up/Down</a:t>
+            </a:r>
+            <a:r>
+              <a:rPr lang="en-US" sz="3200"/>
+              <a:t> </a:t>
+            </a:r>
+            <a:r>
+              <a:rPr lang="en-US" sz="3200" dirty="0"/>
+              <a:t>– Move Up/Down</a:t>
+            </a:r>
+          </a:p>
+          <a:p>
+            <a:r>
+              <a:rPr lang="en-US" sz="3200" dirty="0">
+                <a:solidFill>
+                  <a:srgbClr val="FFFF00"/>
+                </a:solidFill>
+              </a:rPr>
+              <a:t>Circle Gesture </a:t>
+            </a:r>
+            <a:r>
+              <a:rPr lang="en-US" sz="3200" dirty="0"/>
+              <a:t>– Rotate Arm</a:t>
+            </a:r>
+          </a:p>
+        </p:txBody>
+      </p:sp>
+      <p:sp>
+        <p:nvSpPr>
+          <p:cNvPr id="4" name="Content Placeholder 2">
+            <a:extLst>
+              <a:ext uri="{FF2B5EF4-FFF2-40B4-BE49-F238E27FC236}">
+                <a16:creationId xmlns:a16="http://schemas.microsoft.com/office/drawing/2014/main" id="{D9023E3A-8C16-45F6-9946-F1FAA80A0002}"/>
+              </a:ext>
+            </a:extLst>
+          </p:cNvPr>
+          <p:cNvSpPr txBox="1">
+            <a:spLocks/>
+          </p:cNvSpPr>
+          <p:nvPr/>
+        </p:nvSpPr>
+        <p:spPr>
+          <a:xfrm>
+            <a:off x="6503572" y="2071909"/>
+            <a:ext cx="4770715" cy="4195481"/>
+          </a:xfrm>
+          <a:prstGeom prst="rect">
+            <a:avLst/>
+          </a:prstGeom>
+        </p:spPr>
+        <p:txBody>
+          <a:bodyPr vert="horz" lIns="91440" tIns="45720" rIns="91440" bIns="45720" rtlCol="0">
+            <a:normAutofit/>
+          </a:bodyPr>
+          <a:lstStyle>
+            <a:lvl1pPr marL="342900" indent="-342900" algn="l" defTabSz="457200" rtl="0" eaLnBrk="1" latinLnBrk="0" hangingPunct="1">
+              <a:spcBef>
+                <a:spcPts val="1000"/>
+              </a:spcBef>
+              <a:spcAft>
+                <a:spcPts val="0"/>
+              </a:spcAft>
+              <a:buClr>
+                <a:schemeClr val="bg2">
+                  <a:lumMod val="40000"/>
+                  <a:lumOff val="60000"/>
+                </a:schemeClr>
+              </a:buClr>
+              <a:buSzPct val="80000"/>
+              <a:buFont typeface="Wingdings 3" charset="2"/>
+              <a:buChar char=""/>
+              <a:defRPr sz="2000" b="0" i="0" kern="1200">
+                <a:solidFill>
+                  <a:schemeClr val="tx1"/>
+                </a:solidFill>
+                <a:latin typeface="+mj-lt"/>
+                <a:ea typeface="+mj-ea"/>
+                <a:cs typeface="+mj-cs"/>
+              </a:defRPr>
+            </a:lvl1pPr>
+            <a:lvl2pPr marL="742950" indent="-285750" algn="l" defTabSz="457200" rtl="0" eaLnBrk="1" latinLnBrk="0" hangingPunct="1">
+              <a:spcBef>
+                <a:spcPts val="1000"/>
+              </a:spcBef>
+              <a:spcAft>
+                <a:spcPts val="0"/>
+              </a:spcAft>
+              <a:buClr>
+                <a:schemeClr val="bg2">
+                  <a:lumMod val="40000"/>
+                  <a:lumOff val="60000"/>
+                </a:schemeClr>
+              </a:buClr>
+              <a:buSzPct val="80000"/>
+              <a:buFont typeface="Wingdings 3" charset="2"/>
+              <a:buChar char=""/>
+              <a:defRPr sz="1800" b="0" i="0" kern="1200">
+                <a:solidFill>
+                  <a:schemeClr val="tx1"/>
+                </a:solidFill>
+                <a:latin typeface="+mj-lt"/>
+                <a:ea typeface="+mj-ea"/>
+                <a:cs typeface="+mj-cs"/>
+              </a:defRPr>
+            </a:lvl2pPr>
+            <a:lvl3pPr marL="1143000" indent="-228600" algn="l" defTabSz="457200" rtl="0" eaLnBrk="1" latinLnBrk="0" hangingPunct="1">
+              <a:spcBef>
+                <a:spcPts val="1000"/>
+              </a:spcBef>
+              <a:spcAft>
+                <a:spcPts val="0"/>
+              </a:spcAft>
+              <a:buClr>
+                <a:schemeClr val="bg2">
+                  <a:lumMod val="40000"/>
+                  <a:lumOff val="60000"/>
+                </a:schemeClr>
+              </a:buClr>
+              <a:buSzPct val="80000"/>
+              <a:buFont typeface="Wingdings 3" charset="2"/>
+              <a:buChar char=""/>
+              <a:defRPr sz="1600" b="0" i="0" kern="1200">
+                <a:solidFill>
+                  <a:schemeClr val="tx1"/>
+                </a:solidFill>
+                <a:latin typeface="+mj-lt"/>
+                <a:ea typeface="+mj-ea"/>
+                <a:cs typeface="+mj-cs"/>
+              </a:defRPr>
+            </a:lvl3pPr>
+            <a:lvl4pPr marL="1600200" indent="-228600" algn="l" defTabSz="457200" rtl="0" eaLnBrk="1" latinLnBrk="0" hangingPunct="1">
+              <a:spcBef>
+                <a:spcPts val="1000"/>
+              </a:spcBef>
+              <a:spcAft>
+                <a:spcPts val="0"/>
+              </a:spcAft>
+              <a:buClr>
+                <a:schemeClr val="bg2">
+                  <a:lumMod val="40000"/>
+                  <a:lumOff val="60000"/>
+                </a:schemeClr>
+              </a:buClr>
+              <a:buSzPct val="80000"/>
+              <a:buFont typeface="Wingdings 3" charset="2"/>
+              <a:buChar char=""/>
+              <a:defRPr sz="1400" b="0" i="0" kern="1200">
+                <a:solidFill>
+                  <a:schemeClr val="tx1"/>
+                </a:solidFill>
+                <a:latin typeface="+mj-lt"/>
+                <a:ea typeface="+mj-ea"/>
+                <a:cs typeface="+mj-cs"/>
+              </a:defRPr>
+            </a:lvl4pPr>
+            <a:lvl5pPr marL="2057400" indent="-228600" algn="l" defTabSz="457200" rtl="0" eaLnBrk="1" latinLnBrk="0" hangingPunct="1">
+              <a:spcBef>
+                <a:spcPts val="1000"/>
+              </a:spcBef>
+              <a:spcAft>
+                <a:spcPts val="0"/>
+              </a:spcAft>
+              <a:buClr>
+                <a:schemeClr val="bg2">
+                  <a:lumMod val="40000"/>
+                  <a:lumOff val="60000"/>
+                </a:schemeClr>
+              </a:buClr>
+              <a:buSzPct val="80000"/>
+              <a:buFont typeface="Wingdings 3" charset="2"/>
+              <a:buChar char=""/>
+              <a:defRPr sz="1400" b="0" i="0" kern="1200">
+                <a:solidFill>
+                  <a:schemeClr val="tx1"/>
+                </a:solidFill>
+                <a:latin typeface="+mj-lt"/>
+                <a:ea typeface="+mj-ea"/>
+                <a:cs typeface="+mj-cs"/>
+              </a:defRPr>
+            </a:lvl5pPr>
+            <a:lvl6pPr marL="2506000" indent="-228600" algn="l" defTabSz="457200" rtl="0" eaLnBrk="1" latinLnBrk="0" hangingPunct="1">
+              <a:spcBef>
+                <a:spcPts val="1000"/>
+              </a:spcBef>
+              <a:spcAft>
+                <a:spcPts val="0"/>
+              </a:spcAft>
+              <a:buClr>
+                <a:schemeClr val="bg2">
+                  <a:lumMod val="40000"/>
+                  <a:lumOff val="60000"/>
+                </a:schemeClr>
+              </a:buClr>
+              <a:buSzPct val="80000"/>
+              <a:buFont typeface="Wingdings 3" charset="2"/>
+              <a:buChar char=""/>
+              <a:defRPr sz="1400" b="0" i="0" kern="1200">
+                <a:solidFill>
+                  <a:schemeClr val="tx1"/>
+                </a:solidFill>
+                <a:latin typeface="+mj-lt"/>
+                <a:ea typeface="+mj-ea"/>
+                <a:cs typeface="+mj-cs"/>
+              </a:defRPr>
+            </a:lvl6pPr>
+            <a:lvl7pPr marL="2971800" indent="-228600" algn="l" defTabSz="457200" rtl="0" eaLnBrk="1" latinLnBrk="0" hangingPunct="1">
+              <a:spcBef>
+                <a:spcPts val="1000"/>
+              </a:spcBef>
+              <a:spcAft>
+                <a:spcPts val="0"/>
+              </a:spcAft>
+              <a:buClr>
+                <a:schemeClr val="bg2">
+                  <a:lumMod val="40000"/>
+                  <a:lumOff val="60000"/>
+                </a:schemeClr>
+              </a:buClr>
+              <a:buSzPct val="80000"/>
+              <a:buFont typeface="Wingdings 3" charset="2"/>
+              <a:buChar char=""/>
+              <a:defRPr sz="1400" b="0" i="0" kern="1200">
+                <a:solidFill>
+                  <a:schemeClr val="tx1"/>
+                </a:solidFill>
+                <a:latin typeface="+mj-lt"/>
+                <a:ea typeface="+mj-ea"/>
+                <a:cs typeface="+mj-cs"/>
+              </a:defRPr>
+            </a:lvl7pPr>
+            <a:lvl8pPr marL="3429000" indent="-228600" algn="l" defTabSz="457200" rtl="0" eaLnBrk="1" latinLnBrk="0" hangingPunct="1">
+              <a:spcBef>
+                <a:spcPts val="1000"/>
+              </a:spcBef>
+              <a:spcAft>
+                <a:spcPts val="0"/>
+              </a:spcAft>
+              <a:buClr>
+                <a:schemeClr val="bg2">
+                  <a:lumMod val="40000"/>
+                  <a:lumOff val="60000"/>
+                </a:schemeClr>
+              </a:buClr>
+              <a:buSzPct val="80000"/>
+              <a:buFont typeface="Wingdings 3" charset="2"/>
+              <a:buChar char=""/>
+              <a:defRPr sz="1400" b="0" i="0" kern="1200">
+                <a:solidFill>
+                  <a:schemeClr val="tx1"/>
+                </a:solidFill>
+                <a:latin typeface="+mj-lt"/>
+                <a:ea typeface="+mj-ea"/>
+                <a:cs typeface="+mj-cs"/>
+              </a:defRPr>
+            </a:lvl8pPr>
+            <a:lvl9pPr marL="3886200" indent="-228600" algn="l" defTabSz="457200" rtl="0" eaLnBrk="1" latinLnBrk="0" hangingPunct="1">
+              <a:spcBef>
+                <a:spcPts val="1000"/>
+              </a:spcBef>
+              <a:spcAft>
+                <a:spcPts val="0"/>
+              </a:spcAft>
+              <a:buClr>
+                <a:schemeClr val="bg2">
+                  <a:lumMod val="40000"/>
+                  <a:lumOff val="60000"/>
+                </a:schemeClr>
+              </a:buClr>
+              <a:buSzPct val="80000"/>
+              <a:buFont typeface="Wingdings 3" charset="2"/>
+              <a:buChar char=""/>
+              <a:defRPr sz="1400" b="0" i="0" kern="1200">
+                <a:solidFill>
+                  <a:schemeClr val="tx1"/>
+                </a:solidFill>
+                <a:latin typeface="+mj-lt"/>
+                <a:ea typeface="+mj-ea"/>
+                <a:cs typeface="+mj-cs"/>
+              </a:defRPr>
+            </a:lvl9pPr>
+          </a:lstStyle>
+          <a:p>
+            <a:pPr marL="0" indent="0">
+              <a:buNone/>
+            </a:pPr>
             <a:r>
               <a:rPr lang="en-US" sz="3600" dirty="0">
                 <a:solidFill>
                   <a:srgbClr val="FF0000"/>
                 </a:solidFill>
               </a:rPr>
+              <a:t>Right Hand Gestures</a:t>
+            </a:r>
+          </a:p>
+          <a:p>
+            <a:r>
+              <a:rPr lang="en-US" sz="3200" dirty="0">
+                <a:solidFill>
+                  <a:srgbClr val="FF0000"/>
+                </a:solidFill>
+              </a:rPr>
               <a:t>Right Hand Closed Fist </a:t>
             </a:r>
             <a:r>
-              <a:rPr lang="en-US" sz="3600" dirty="0"/>
+              <a:rPr lang="en-US" sz="3200" dirty="0"/>
               <a:t>– Close Claw</a:t>
             </a:r>
           </a:p>
           <a:p>
             <a:r>
-              <a:rPr lang="en-US" sz="3600" dirty="0">
+              <a:rPr lang="en-US" sz="3200" dirty="0">
                 <a:solidFill>
                   <a:srgbClr val="FF0000"/>
                 </a:solidFill>
@@ -6602,57 +6928,51 @@
               <a:t>Right Hand Upside down Closed Fist </a:t>
             </a:r>
             <a:r>
-              <a:rPr lang="en-US" sz="3600" dirty="0"/>
+              <a:rPr lang="en-US" sz="3200" dirty="0"/>
               <a:t>– Open Claw</a:t>
             </a:r>
           </a:p>
           <a:p>
-            <a:r>
-              <a:rPr lang="en-US" sz="3600" dirty="0">
-                <a:solidFill>
-                  <a:srgbClr val="FF0000"/>
-                </a:solidFill>
-              </a:rPr>
-              <a:t>Left Hand Finger Circle </a:t>
-            </a:r>
-            <a:r>
-              <a:rPr lang="en-US" sz="3600" dirty="0"/>
-              <a:t>– Rotate Arm Base</a:t>
-            </a:r>
-          </a:p>
-          <a:p>
-            <a:r>
-              <a:rPr lang="en-US" sz="3600" dirty="0">
-                <a:solidFill>
-                  <a:srgbClr val="FF0000"/>
-                </a:solidFill>
-              </a:rPr>
-              <a:t>Left Hand Index Finger Tap </a:t>
-            </a:r>
-            <a:r>
-              <a:rPr lang="en-US" sz="3600" dirty="0"/>
-              <a:t>– Rise Arm</a:t>
-            </a:r>
-          </a:p>
-          <a:p>
-            <a:r>
-              <a:rPr lang="en-US" sz="3600" dirty="0">
-                <a:solidFill>
-                  <a:srgbClr val="FF0000"/>
-                </a:solidFill>
-              </a:rPr>
-              <a:t>Left Hand Middle Finger Tap </a:t>
-            </a:r>
-            <a:r>
-              <a:rPr lang="en-US" sz="3600" dirty="0"/>
-              <a:t>– Lower Arm</a:t>
-            </a:r>
-          </a:p>
-          <a:p>
             <a:endParaRPr lang="en-IE" dirty="0"/>
           </a:p>
         </p:txBody>
       </p:sp>
+      <p:cxnSp>
+        <p:nvCxnSpPr>
+          <p:cNvPr id="6" name="Straight Connector 5">
+            <a:extLst>
+              <a:ext uri="{FF2B5EF4-FFF2-40B4-BE49-F238E27FC236}">
+                <a16:creationId xmlns:a16="http://schemas.microsoft.com/office/drawing/2014/main" id="{DC6284B3-438B-4B84-9BC3-E74AF428475E}"/>
+              </a:ext>
+            </a:extLst>
+          </p:cNvPr>
+          <p:cNvCxnSpPr/>
+          <p:nvPr/>
+        </p:nvCxnSpPr>
+        <p:spPr>
+          <a:xfrm>
+            <a:off x="5625548" y="1853248"/>
+            <a:ext cx="0" cy="4414142"/>
+          </a:xfrm>
+          <a:prstGeom prst="line">
+            <a:avLst/>
+          </a:prstGeom>
+        </p:spPr>
+        <p:style>
+          <a:lnRef idx="1">
+            <a:schemeClr val="accent1"/>
+          </a:lnRef>
+          <a:fillRef idx="0">
+            <a:schemeClr val="accent1"/>
+          </a:fillRef>
+          <a:effectRef idx="0">
+            <a:schemeClr val="accent1"/>
+          </a:effectRef>
+          <a:fontRef idx="minor">
+            <a:schemeClr val="tx1"/>
+          </a:fontRef>
+        </p:style>
+      </p:cxnSp>
     </p:spTree>
     <p:extLst>
       <p:ext uri="{BB962C8B-B14F-4D97-AF65-F5344CB8AC3E}">
@@ -6688,7 +7008,7 @@
           <p:cNvPr id="2" name="Title 1">
             <a:extLst>
               <a:ext uri="{FF2B5EF4-FFF2-40B4-BE49-F238E27FC236}">
-                <a16:creationId xmlns:a16="http://schemas.microsoft.com/office/drawing/2014/main" xmlns="" id="{29B2CD78-BDF2-4BBB-A5B3-EE8F1804A3DD}"/>
+                <a16:creationId xmlns:a16="http://schemas.microsoft.com/office/drawing/2014/main" id="{29B2CD78-BDF2-4BBB-A5B3-EE8F1804A3DD}"/>
               </a:ext>
             </a:extLst>
           </p:cNvPr>
@@ -6752,7 +7072,7 @@
           <p:cNvPr id="2" name="Title 1">
             <a:extLst>
               <a:ext uri="{FF2B5EF4-FFF2-40B4-BE49-F238E27FC236}">
-                <a16:creationId xmlns:a16="http://schemas.microsoft.com/office/drawing/2014/main" xmlns="" id="{DAA10059-0CAB-4820-B48F-18D2FE58784A}"/>
+                <a16:creationId xmlns:a16="http://schemas.microsoft.com/office/drawing/2014/main" id="{DAA10059-0CAB-4820-B48F-18D2FE58784A}"/>
               </a:ext>
             </a:extLst>
           </p:cNvPr>

--- a/presentation.pptx
+++ b/presentation.pptx
@@ -305,7 +305,7 @@
           <a:p>
             <a:fld id="{4AAD347D-5ACD-4C99-B74B-A9C85AD731AF}" type="datetimeFigureOut">
               <a:rPr lang="en-US" dirty="0"/>
-              <a:t>4/4/2019</a:t>
+              <a:t>4/5/2019</a:t>
             </a:fld>
             <a:endParaRPr lang="en-US" dirty="0"/>
           </a:p>
@@ -575,7 +575,7 @@
           <a:p>
             <a:fld id="{4509A250-FF31-4206-8172-F9D3106AACB1}" type="datetimeFigureOut">
               <a:rPr lang="en-US" dirty="0"/>
-              <a:t>4/4/2019</a:t>
+              <a:t>4/5/2019</a:t>
             </a:fld>
             <a:endParaRPr lang="en-US" dirty="0"/>
           </a:p>
@@ -764,7 +764,7 @@
           <a:p>
             <a:fld id="{4509A250-FF31-4206-8172-F9D3106AACB1}" type="datetimeFigureOut">
               <a:rPr lang="en-US" dirty="0"/>
-              <a:t>4/4/2019</a:t>
+              <a:t>4/5/2019</a:t>
             </a:fld>
             <a:endParaRPr lang="en-US" dirty="0"/>
           </a:p>
@@ -1032,7 +1032,7 @@
           <a:p>
             <a:fld id="{4509A250-FF31-4206-8172-F9D3106AACB1}" type="datetimeFigureOut">
               <a:rPr lang="en-US" dirty="0"/>
-              <a:t>4/4/2019</a:t>
+              <a:t>4/5/2019</a:t>
             </a:fld>
             <a:endParaRPr lang="en-US" dirty="0"/>
           </a:p>
@@ -1368,7 +1368,7 @@
           <a:p>
             <a:fld id="{4509A250-FF31-4206-8172-F9D3106AACB1}" type="datetimeFigureOut">
               <a:rPr lang="en-US" dirty="0"/>
-              <a:t>4/4/2019</a:t>
+              <a:t>4/5/2019</a:t>
             </a:fld>
             <a:endParaRPr lang="en-US" dirty="0"/>
           </a:p>
@@ -1986,7 +1986,7 @@
           <a:p>
             <a:fld id="{4509A250-FF31-4206-8172-F9D3106AACB1}" type="datetimeFigureOut">
               <a:rPr lang="en-US" dirty="0"/>
-              <a:t>4/4/2019</a:t>
+              <a:t>4/5/2019</a:t>
             </a:fld>
             <a:endParaRPr lang="en-US" dirty="0"/>
           </a:p>
@@ -2841,7 +2841,7 @@
           <a:p>
             <a:fld id="{4509A250-FF31-4206-8172-F9D3106AACB1}" type="datetimeFigureOut">
               <a:rPr lang="en-US" dirty="0"/>
-              <a:t>4/4/2019</a:t>
+              <a:t>4/5/2019</a:t>
             </a:fld>
             <a:endParaRPr lang="en-US" dirty="0"/>
           </a:p>
@@ -3006,7 +3006,7 @@
           <a:p>
             <a:fld id="{4509A250-FF31-4206-8172-F9D3106AACB1}" type="datetimeFigureOut">
               <a:rPr lang="en-US" dirty="0"/>
-              <a:t>4/4/2019</a:t>
+              <a:t>4/5/2019</a:t>
             </a:fld>
             <a:endParaRPr lang="en-US" dirty="0"/>
           </a:p>
@@ -3181,7 +3181,7 @@
           <a:p>
             <a:fld id="{4509A250-FF31-4206-8172-F9D3106AACB1}" type="datetimeFigureOut">
               <a:rPr lang="en-US" dirty="0"/>
-              <a:t>4/4/2019</a:t>
+              <a:t>4/5/2019</a:t>
             </a:fld>
             <a:endParaRPr lang="en-US" dirty="0"/>
           </a:p>
@@ -3346,7 +3346,7 @@
           <a:p>
             <a:fld id="{4509A250-FF31-4206-8172-F9D3106AACB1}" type="datetimeFigureOut">
               <a:rPr lang="en-US" dirty="0"/>
-              <a:t>4/4/2019</a:t>
+              <a:t>4/5/2019</a:t>
             </a:fld>
             <a:endParaRPr lang="en-US" dirty="0"/>
           </a:p>
@@ -3588,7 +3588,7 @@
           <a:p>
             <a:fld id="{9796027F-7875-4030-9381-8BD8C4F21935}" type="datetimeFigureOut">
               <a:rPr lang="en-US" dirty="0"/>
-              <a:t>4/4/2019</a:t>
+              <a:t>4/5/2019</a:t>
             </a:fld>
             <a:endParaRPr lang="en-US" dirty="0"/>
           </a:p>
@@ -3875,7 +3875,7 @@
           <a:p>
             <a:fld id="{9796027F-7875-4030-9381-8BD8C4F21935}" type="datetimeFigureOut">
               <a:rPr lang="en-US" dirty="0"/>
-              <a:t>4/4/2019</a:t>
+              <a:t>4/5/2019</a:t>
             </a:fld>
             <a:endParaRPr lang="en-US" dirty="0"/>
           </a:p>
@@ -4314,7 +4314,7 @@
           <a:p>
             <a:fld id="{9796027F-7875-4030-9381-8BD8C4F21935}" type="datetimeFigureOut">
               <a:rPr lang="en-US" dirty="0"/>
-              <a:t>4/4/2019</a:t>
+              <a:t>4/5/2019</a:t>
             </a:fld>
             <a:endParaRPr lang="en-US" dirty="0"/>
           </a:p>
@@ -4427,7 +4427,7 @@
           <a:p>
             <a:fld id="{4509A250-FF31-4206-8172-F9D3106AACB1}" type="datetimeFigureOut">
               <a:rPr lang="en-US" dirty="0"/>
-              <a:t>4/4/2019</a:t>
+              <a:t>4/5/2019</a:t>
             </a:fld>
             <a:endParaRPr lang="en-US" dirty="0"/>
           </a:p>
@@ -4517,7 +4517,7 @@
           <a:p>
             <a:fld id="{4509A250-FF31-4206-8172-F9D3106AACB1}" type="datetimeFigureOut">
               <a:rPr lang="en-US" dirty="0"/>
-              <a:t>4/4/2019</a:t>
+              <a:t>4/5/2019</a:t>
             </a:fld>
             <a:endParaRPr lang="en-US" dirty="0"/>
           </a:p>
@@ -4791,7 +4791,7 @@
           <a:p>
             <a:fld id="{4509A250-FF31-4206-8172-F9D3106AACB1}" type="datetimeFigureOut">
               <a:rPr lang="en-US" dirty="0"/>
-              <a:t>4/4/2019</a:t>
+              <a:t>4/5/2019</a:t>
             </a:fld>
             <a:endParaRPr lang="en-US" dirty="0"/>
           </a:p>
@@ -5061,7 +5061,7 @@
           <a:p>
             <a:fld id="{4509A250-FF31-4206-8172-F9D3106AACB1}" type="datetimeFigureOut">
               <a:rPr lang="en-US" dirty="0"/>
-              <a:t>4/4/2019</a:t>
+              <a:t>4/5/2019</a:t>
             </a:fld>
             <a:endParaRPr lang="en-US" dirty="0"/>
           </a:p>
@@ -5485,7 +5485,7 @@
           <a:p>
             <a:fld id="{4AAD347D-5ACD-4C99-B74B-A9C85AD731AF}" type="datetimeFigureOut">
               <a:rPr lang="en-US" dirty="0"/>
-              <a:t>4/4/2019</a:t>
+              <a:t>4/5/2019</a:t>
             </a:fld>
             <a:endParaRPr lang="en-US" dirty="0"/>
           </a:p>
@@ -6262,17 +6262,20 @@
         <p:spPr/>
         <p:txBody>
           <a:bodyPr>
-            <a:normAutofit/>
+            <a:normAutofit lnSpcReduction="10000"/>
           </a:bodyPr>
           <a:lstStyle/>
           <a:p>
+            <a:r>
+              <a:rPr lang="en-US" sz="4000" dirty="0"/>
+              <a:t>Java 8</a:t>
+            </a:r>
+          </a:p>
+          <a:p>
             <a:pPr marL="0" indent="0">
               <a:buNone/>
             </a:pPr>
-            <a:r>
-              <a:rPr lang="en-US" sz="4000" dirty="0"/>
-              <a:t>Java 8 64bit and 32bit</a:t>
-            </a:r>
+            <a:endParaRPr lang="en-US" sz="4000" dirty="0"/>
           </a:p>
           <a:p>
             <a:r>

--- a/presentation.pptx
+++ b/presentation.pptx
@@ -4,15 +4,20 @@
   <p:sldMasterIdLst>
     <p:sldMasterId id="2147483648" r:id="rId1"/>
   </p:sldMasterIdLst>
+  <p:notesMasterIdLst>
+    <p:notesMasterId r:id="rId12"/>
+  </p:notesMasterIdLst>
   <p:sldIdLst>
     <p:sldId id="256" r:id="rId2"/>
     <p:sldId id="257" r:id="rId3"/>
     <p:sldId id="258" r:id="rId4"/>
     <p:sldId id="263" r:id="rId5"/>
     <p:sldId id="262" r:id="rId6"/>
-    <p:sldId id="259" r:id="rId7"/>
-    <p:sldId id="260" r:id="rId8"/>
-    <p:sldId id="261" r:id="rId9"/>
+    <p:sldId id="264" r:id="rId7"/>
+    <p:sldId id="259" r:id="rId8"/>
+    <p:sldId id="265" r:id="rId9"/>
+    <p:sldId id="260" r:id="rId10"/>
+    <p:sldId id="261" r:id="rId11"/>
   </p:sldIdLst>
   <p:sldSz cx="12192000" cy="6858000"/>
   <p:notesSz cx="6858000" cy="9144000"/>
@@ -119,6 +124,356 @@
 </p:presentation>
 </file>
 
+<file path=ppt/notesMasters/notesMaster1.xml><?xml version="1.0" encoding="utf-8"?>
+<p:notesMaster xmlns:a="http://schemas.openxmlformats.org/drawingml/2006/main" xmlns:r="http://schemas.openxmlformats.org/officeDocument/2006/relationships" xmlns:p="http://schemas.openxmlformats.org/presentationml/2006/main">
+  <p:cSld>
+    <p:bg>
+      <p:bgRef idx="1001">
+        <a:schemeClr val="bg1"/>
+      </p:bgRef>
+    </p:bg>
+    <p:spTree>
+      <p:nvGrpSpPr>
+        <p:cNvPr id="1" name=""/>
+        <p:cNvGrpSpPr/>
+        <p:nvPr/>
+      </p:nvGrpSpPr>
+      <p:grpSpPr>
+        <a:xfrm>
+          <a:off x="0" y="0"/>
+          <a:ext cx="0" cy="0"/>
+          <a:chOff x="0" y="0"/>
+          <a:chExt cx="0" cy="0"/>
+        </a:xfrm>
+      </p:grpSpPr>
+      <p:sp>
+        <p:nvSpPr>
+          <p:cNvPr id="2" name="Header Placeholder 1"/>
+          <p:cNvSpPr>
+            <a:spLocks noGrp="1"/>
+          </p:cNvSpPr>
+          <p:nvPr>
+            <p:ph type="hdr" sz="quarter"/>
+          </p:nvPr>
+        </p:nvSpPr>
+        <p:spPr>
+          <a:xfrm>
+            <a:off x="0" y="0"/>
+            <a:ext cx="2971800" cy="458788"/>
+          </a:xfrm>
+          <a:prstGeom prst="rect">
+            <a:avLst/>
+          </a:prstGeom>
+        </p:spPr>
+        <p:txBody>
+          <a:bodyPr vert="horz" lIns="91440" tIns="45720" rIns="91440" bIns="45720" rtlCol="0"/>
+          <a:lstStyle>
+            <a:lvl1pPr algn="l">
+              <a:defRPr sz="1200"/>
+            </a:lvl1pPr>
+          </a:lstStyle>
+          <a:p>
+            <a:endParaRPr lang="en-US"/>
+          </a:p>
+        </p:txBody>
+      </p:sp>
+      <p:sp>
+        <p:nvSpPr>
+          <p:cNvPr id="3" name="Date Placeholder 2"/>
+          <p:cNvSpPr>
+            <a:spLocks noGrp="1"/>
+          </p:cNvSpPr>
+          <p:nvPr>
+            <p:ph type="dt" idx="1"/>
+          </p:nvPr>
+        </p:nvSpPr>
+        <p:spPr>
+          <a:xfrm>
+            <a:off x="3884613" y="0"/>
+            <a:ext cx="2971800" cy="458788"/>
+          </a:xfrm>
+          <a:prstGeom prst="rect">
+            <a:avLst/>
+          </a:prstGeom>
+        </p:spPr>
+        <p:txBody>
+          <a:bodyPr vert="horz" lIns="91440" tIns="45720" rIns="91440" bIns="45720" rtlCol="0"/>
+          <a:lstStyle>
+            <a:lvl1pPr algn="r">
+              <a:defRPr sz="1200"/>
+            </a:lvl1pPr>
+          </a:lstStyle>
+          <a:p>
+            <a:fld id="{06CB2BFF-6F8D-DB4E-A4D0-37524DDE6AB3}" type="datetimeFigureOut">
+              <a:rPr lang="en-US" smtClean="0"/>
+              <a:t>4/5/19</a:t>
+            </a:fld>
+            <a:endParaRPr lang="en-US"/>
+          </a:p>
+        </p:txBody>
+      </p:sp>
+      <p:sp>
+        <p:nvSpPr>
+          <p:cNvPr id="4" name="Slide Image Placeholder 3"/>
+          <p:cNvSpPr>
+            <a:spLocks noGrp="1" noRot="1" noChangeAspect="1"/>
+          </p:cNvSpPr>
+          <p:nvPr>
+            <p:ph type="sldImg" idx="2"/>
+          </p:nvPr>
+        </p:nvSpPr>
+        <p:spPr>
+          <a:xfrm>
+            <a:off x="685800" y="1143000"/>
+            <a:ext cx="5486400" cy="3086100"/>
+          </a:xfrm>
+          <a:prstGeom prst="rect">
+            <a:avLst/>
+          </a:prstGeom>
+          <a:noFill/>
+          <a:ln w="12700">
+            <a:solidFill>
+              <a:prstClr val="black"/>
+            </a:solidFill>
+          </a:ln>
+        </p:spPr>
+        <p:txBody>
+          <a:bodyPr vert="horz" lIns="91440" tIns="45720" rIns="91440" bIns="45720" rtlCol="0" anchor="ctr"/>
+          <a:lstStyle/>
+          <a:p>
+            <a:endParaRPr lang="en-US"/>
+          </a:p>
+        </p:txBody>
+      </p:sp>
+      <p:sp>
+        <p:nvSpPr>
+          <p:cNvPr id="5" name="Notes Placeholder 4"/>
+          <p:cNvSpPr>
+            <a:spLocks noGrp="1"/>
+          </p:cNvSpPr>
+          <p:nvPr>
+            <p:ph type="body" sz="quarter" idx="3"/>
+          </p:nvPr>
+        </p:nvSpPr>
+        <p:spPr>
+          <a:xfrm>
+            <a:off x="685800" y="4400550"/>
+            <a:ext cx="5486400" cy="3600450"/>
+          </a:xfrm>
+          <a:prstGeom prst="rect">
+            <a:avLst/>
+          </a:prstGeom>
+        </p:spPr>
+        <p:txBody>
+          <a:bodyPr vert="horz" lIns="91440" tIns="45720" rIns="91440" bIns="45720" rtlCol="0"/>
+          <a:lstStyle/>
+          <a:p>
+            <a:pPr lvl="0"/>
+            <a:r>
+              <a:rPr lang="en-US" smtClean="0"/>
+              <a:t>Click to edit Master text styles</a:t>
+            </a:r>
+          </a:p>
+          <a:p>
+            <a:pPr lvl="1"/>
+            <a:r>
+              <a:rPr lang="en-US" smtClean="0"/>
+              <a:t>Second level</a:t>
+            </a:r>
+          </a:p>
+          <a:p>
+            <a:pPr lvl="2"/>
+            <a:r>
+              <a:rPr lang="en-US" smtClean="0"/>
+              <a:t>Third level</a:t>
+            </a:r>
+          </a:p>
+          <a:p>
+            <a:pPr lvl="3"/>
+            <a:r>
+              <a:rPr lang="en-US" smtClean="0"/>
+              <a:t>Fourth level</a:t>
+            </a:r>
+          </a:p>
+          <a:p>
+            <a:pPr lvl="4"/>
+            <a:r>
+              <a:rPr lang="en-US" smtClean="0"/>
+              <a:t>Fifth level</a:t>
+            </a:r>
+            <a:endParaRPr lang="en-US"/>
+          </a:p>
+        </p:txBody>
+      </p:sp>
+      <p:sp>
+        <p:nvSpPr>
+          <p:cNvPr id="6" name="Footer Placeholder 5"/>
+          <p:cNvSpPr>
+            <a:spLocks noGrp="1"/>
+          </p:cNvSpPr>
+          <p:nvPr>
+            <p:ph type="ftr" sz="quarter" idx="4"/>
+          </p:nvPr>
+        </p:nvSpPr>
+        <p:spPr>
+          <a:xfrm>
+            <a:off x="0" y="8685213"/>
+            <a:ext cx="2971800" cy="458787"/>
+          </a:xfrm>
+          <a:prstGeom prst="rect">
+            <a:avLst/>
+          </a:prstGeom>
+        </p:spPr>
+        <p:txBody>
+          <a:bodyPr vert="horz" lIns="91440" tIns="45720" rIns="91440" bIns="45720" rtlCol="0" anchor="b"/>
+          <a:lstStyle>
+            <a:lvl1pPr algn="l">
+              <a:defRPr sz="1200"/>
+            </a:lvl1pPr>
+          </a:lstStyle>
+          <a:p>
+            <a:endParaRPr lang="en-US"/>
+          </a:p>
+        </p:txBody>
+      </p:sp>
+      <p:sp>
+        <p:nvSpPr>
+          <p:cNvPr id="7" name="Slide Number Placeholder 6"/>
+          <p:cNvSpPr>
+            <a:spLocks noGrp="1"/>
+          </p:cNvSpPr>
+          <p:nvPr>
+            <p:ph type="sldNum" sz="quarter" idx="5"/>
+          </p:nvPr>
+        </p:nvSpPr>
+        <p:spPr>
+          <a:xfrm>
+            <a:off x="3884613" y="8685213"/>
+            <a:ext cx="2971800" cy="458787"/>
+          </a:xfrm>
+          <a:prstGeom prst="rect">
+            <a:avLst/>
+          </a:prstGeom>
+        </p:spPr>
+        <p:txBody>
+          <a:bodyPr vert="horz" lIns="91440" tIns="45720" rIns="91440" bIns="45720" rtlCol="0" anchor="b"/>
+          <a:lstStyle>
+            <a:lvl1pPr algn="r">
+              <a:defRPr sz="1200"/>
+            </a:lvl1pPr>
+          </a:lstStyle>
+          <a:p>
+            <a:fld id="{C4958A68-73A5-E14B-8E4E-B2237146A9FD}" type="slidenum">
+              <a:rPr lang="en-US" smtClean="0"/>
+              <a:t>‹#›</a:t>
+            </a:fld>
+            <a:endParaRPr lang="en-US"/>
+          </a:p>
+        </p:txBody>
+      </p:sp>
+    </p:spTree>
+    <p:extLst>
+      <p:ext uri="{BB962C8B-B14F-4D97-AF65-F5344CB8AC3E}">
+        <p14:creationId xmlns:p14="http://schemas.microsoft.com/office/powerpoint/2010/main" val="1645752585"/>
+      </p:ext>
+    </p:extLst>
+  </p:cSld>
+  <p:clrMap bg1="lt1" tx1="dk1" bg2="lt2" tx2="dk2" accent1="accent1" accent2="accent2" accent3="accent3" accent4="accent4" accent5="accent5" accent6="accent6" hlink="hlink" folHlink="folHlink"/>
+  <p:notesStyle>
+    <a:lvl1pPr marL="0" algn="l" defTabSz="914400" rtl="0" eaLnBrk="1" latinLnBrk="0" hangingPunct="1">
+      <a:defRPr sz="1200" kern="1200">
+        <a:solidFill>
+          <a:schemeClr val="tx1"/>
+        </a:solidFill>
+        <a:latin typeface="+mn-lt"/>
+        <a:ea typeface="+mn-ea"/>
+        <a:cs typeface="+mn-cs"/>
+      </a:defRPr>
+    </a:lvl1pPr>
+    <a:lvl2pPr marL="457200" algn="l" defTabSz="914400" rtl="0" eaLnBrk="1" latinLnBrk="0" hangingPunct="1">
+      <a:defRPr sz="1200" kern="1200">
+        <a:solidFill>
+          <a:schemeClr val="tx1"/>
+        </a:solidFill>
+        <a:latin typeface="+mn-lt"/>
+        <a:ea typeface="+mn-ea"/>
+        <a:cs typeface="+mn-cs"/>
+      </a:defRPr>
+    </a:lvl2pPr>
+    <a:lvl3pPr marL="914400" algn="l" defTabSz="914400" rtl="0" eaLnBrk="1" latinLnBrk="0" hangingPunct="1">
+      <a:defRPr sz="1200" kern="1200">
+        <a:solidFill>
+          <a:schemeClr val="tx1"/>
+        </a:solidFill>
+        <a:latin typeface="+mn-lt"/>
+        <a:ea typeface="+mn-ea"/>
+        <a:cs typeface="+mn-cs"/>
+      </a:defRPr>
+    </a:lvl3pPr>
+    <a:lvl4pPr marL="1371600" algn="l" defTabSz="914400" rtl="0" eaLnBrk="1" latinLnBrk="0" hangingPunct="1">
+      <a:defRPr sz="1200" kern="1200">
+        <a:solidFill>
+          <a:schemeClr val="tx1"/>
+        </a:solidFill>
+        <a:latin typeface="+mn-lt"/>
+        <a:ea typeface="+mn-ea"/>
+        <a:cs typeface="+mn-cs"/>
+      </a:defRPr>
+    </a:lvl4pPr>
+    <a:lvl5pPr marL="1828800" algn="l" defTabSz="914400" rtl="0" eaLnBrk="1" latinLnBrk="0" hangingPunct="1">
+      <a:defRPr sz="1200" kern="1200">
+        <a:solidFill>
+          <a:schemeClr val="tx1"/>
+        </a:solidFill>
+        <a:latin typeface="+mn-lt"/>
+        <a:ea typeface="+mn-ea"/>
+        <a:cs typeface="+mn-cs"/>
+      </a:defRPr>
+    </a:lvl5pPr>
+    <a:lvl6pPr marL="2286000" algn="l" defTabSz="914400" rtl="0" eaLnBrk="1" latinLnBrk="0" hangingPunct="1">
+      <a:defRPr sz="1200" kern="1200">
+        <a:solidFill>
+          <a:schemeClr val="tx1"/>
+        </a:solidFill>
+        <a:latin typeface="+mn-lt"/>
+        <a:ea typeface="+mn-ea"/>
+        <a:cs typeface="+mn-cs"/>
+      </a:defRPr>
+    </a:lvl6pPr>
+    <a:lvl7pPr marL="2743200" algn="l" defTabSz="914400" rtl="0" eaLnBrk="1" latinLnBrk="0" hangingPunct="1">
+      <a:defRPr sz="1200" kern="1200">
+        <a:solidFill>
+          <a:schemeClr val="tx1"/>
+        </a:solidFill>
+        <a:latin typeface="+mn-lt"/>
+        <a:ea typeface="+mn-ea"/>
+        <a:cs typeface="+mn-cs"/>
+      </a:defRPr>
+    </a:lvl7pPr>
+    <a:lvl8pPr marL="3200400" algn="l" defTabSz="914400" rtl="0" eaLnBrk="1" latinLnBrk="0" hangingPunct="1">
+      <a:defRPr sz="1200" kern="1200">
+        <a:solidFill>
+          <a:schemeClr val="tx1"/>
+        </a:solidFill>
+        <a:latin typeface="+mn-lt"/>
+        <a:ea typeface="+mn-ea"/>
+        <a:cs typeface="+mn-cs"/>
+      </a:defRPr>
+    </a:lvl8pPr>
+    <a:lvl9pPr marL="3657600" algn="l" defTabSz="914400" rtl="0" eaLnBrk="1" latinLnBrk="0" hangingPunct="1">
+      <a:defRPr sz="1200" kern="1200">
+        <a:solidFill>
+          <a:schemeClr val="tx1"/>
+        </a:solidFill>
+        <a:latin typeface="+mn-lt"/>
+        <a:ea typeface="+mn-ea"/>
+        <a:cs typeface="+mn-cs"/>
+      </a:defRPr>
+    </a:lvl9pPr>
+  </p:notesStyle>
+</p:notesMaster>
+</file>
+
 <file path=ppt/slideLayouts/slideLayout1.xml><?xml version="1.0" encoding="utf-8"?>
 <p:sldLayout xmlns:a="http://schemas.openxmlformats.org/drawingml/2006/main" xmlns:r="http://schemas.openxmlformats.org/officeDocument/2006/relationships" xmlns:p="http://schemas.openxmlformats.org/presentationml/2006/main" type="title" preserve="1">
   <p:cSld name="Title Slide">
@@ -305,7 +660,7 @@
           <a:p>
             <a:fld id="{4AAD347D-5ACD-4C99-B74B-A9C85AD731AF}" type="datetimeFigureOut">
               <a:rPr lang="en-US" dirty="0"/>
-              <a:t>4/4/2019</a:t>
+              <a:t>4/5/19</a:t>
             </a:fld>
             <a:endParaRPr lang="en-US" dirty="0"/>
           </a:p>
@@ -575,7 +930,7 @@
           <a:p>
             <a:fld id="{4509A250-FF31-4206-8172-F9D3106AACB1}" type="datetimeFigureOut">
               <a:rPr lang="en-US" dirty="0"/>
-              <a:t>4/4/2019</a:t>
+              <a:t>4/5/19</a:t>
             </a:fld>
             <a:endParaRPr lang="en-US" dirty="0"/>
           </a:p>
@@ -764,7 +1119,7 @@
           <a:p>
             <a:fld id="{4509A250-FF31-4206-8172-F9D3106AACB1}" type="datetimeFigureOut">
               <a:rPr lang="en-US" dirty="0"/>
-              <a:t>4/4/2019</a:t>
+              <a:t>4/5/19</a:t>
             </a:fld>
             <a:endParaRPr lang="en-US" dirty="0"/>
           </a:p>
@@ -1032,7 +1387,7 @@
           <a:p>
             <a:fld id="{4509A250-FF31-4206-8172-F9D3106AACB1}" type="datetimeFigureOut">
               <a:rPr lang="en-US" dirty="0"/>
-              <a:t>4/4/2019</a:t>
+              <a:t>4/5/19</a:t>
             </a:fld>
             <a:endParaRPr lang="en-US" dirty="0"/>
           </a:p>
@@ -1368,7 +1723,7 @@
           <a:p>
             <a:fld id="{4509A250-FF31-4206-8172-F9D3106AACB1}" type="datetimeFigureOut">
               <a:rPr lang="en-US" dirty="0"/>
-              <a:t>4/4/2019</a:t>
+              <a:t>4/5/19</a:t>
             </a:fld>
             <a:endParaRPr lang="en-US" dirty="0"/>
           </a:p>
@@ -1986,7 +2341,7 @@
           <a:p>
             <a:fld id="{4509A250-FF31-4206-8172-F9D3106AACB1}" type="datetimeFigureOut">
               <a:rPr lang="en-US" dirty="0"/>
-              <a:t>4/4/2019</a:t>
+              <a:t>4/5/19</a:t>
             </a:fld>
             <a:endParaRPr lang="en-US" dirty="0"/>
           </a:p>
@@ -2841,7 +3196,7 @@
           <a:p>
             <a:fld id="{4509A250-FF31-4206-8172-F9D3106AACB1}" type="datetimeFigureOut">
               <a:rPr lang="en-US" dirty="0"/>
-              <a:t>4/4/2019</a:t>
+              <a:t>4/5/19</a:t>
             </a:fld>
             <a:endParaRPr lang="en-US" dirty="0"/>
           </a:p>
@@ -3006,7 +3361,7 @@
           <a:p>
             <a:fld id="{4509A250-FF31-4206-8172-F9D3106AACB1}" type="datetimeFigureOut">
               <a:rPr lang="en-US" dirty="0"/>
-              <a:t>4/4/2019</a:t>
+              <a:t>4/5/19</a:t>
             </a:fld>
             <a:endParaRPr lang="en-US" dirty="0"/>
           </a:p>
@@ -3181,7 +3536,7 @@
           <a:p>
             <a:fld id="{4509A250-FF31-4206-8172-F9D3106AACB1}" type="datetimeFigureOut">
               <a:rPr lang="en-US" dirty="0"/>
-              <a:t>4/4/2019</a:t>
+              <a:t>4/5/19</a:t>
             </a:fld>
             <a:endParaRPr lang="en-US" dirty="0"/>
           </a:p>
@@ -3346,7 +3701,7 @@
           <a:p>
             <a:fld id="{4509A250-FF31-4206-8172-F9D3106AACB1}" type="datetimeFigureOut">
               <a:rPr lang="en-US" dirty="0"/>
-              <a:t>4/4/2019</a:t>
+              <a:t>4/5/19</a:t>
             </a:fld>
             <a:endParaRPr lang="en-US" dirty="0"/>
           </a:p>
@@ -3588,7 +3943,7 @@
           <a:p>
             <a:fld id="{9796027F-7875-4030-9381-8BD8C4F21935}" type="datetimeFigureOut">
               <a:rPr lang="en-US" dirty="0"/>
-              <a:t>4/4/2019</a:t>
+              <a:t>4/5/19</a:t>
             </a:fld>
             <a:endParaRPr lang="en-US" dirty="0"/>
           </a:p>
@@ -3875,7 +4230,7 @@
           <a:p>
             <a:fld id="{9796027F-7875-4030-9381-8BD8C4F21935}" type="datetimeFigureOut">
               <a:rPr lang="en-US" dirty="0"/>
-              <a:t>4/4/2019</a:t>
+              <a:t>4/5/19</a:t>
             </a:fld>
             <a:endParaRPr lang="en-US" dirty="0"/>
           </a:p>
@@ -4314,7 +4669,7 @@
           <a:p>
             <a:fld id="{9796027F-7875-4030-9381-8BD8C4F21935}" type="datetimeFigureOut">
               <a:rPr lang="en-US" dirty="0"/>
-              <a:t>4/4/2019</a:t>
+              <a:t>4/5/19</a:t>
             </a:fld>
             <a:endParaRPr lang="en-US" dirty="0"/>
           </a:p>
@@ -4427,7 +4782,7 @@
           <a:p>
             <a:fld id="{4509A250-FF31-4206-8172-F9D3106AACB1}" type="datetimeFigureOut">
               <a:rPr lang="en-US" dirty="0"/>
-              <a:t>4/4/2019</a:t>
+              <a:t>4/5/19</a:t>
             </a:fld>
             <a:endParaRPr lang="en-US" dirty="0"/>
           </a:p>
@@ -4517,7 +4872,7 @@
           <a:p>
             <a:fld id="{4509A250-FF31-4206-8172-F9D3106AACB1}" type="datetimeFigureOut">
               <a:rPr lang="en-US" dirty="0"/>
-              <a:t>4/4/2019</a:t>
+              <a:t>4/5/19</a:t>
             </a:fld>
             <a:endParaRPr lang="en-US" dirty="0"/>
           </a:p>
@@ -4791,7 +5146,7 @@
           <a:p>
             <a:fld id="{4509A250-FF31-4206-8172-F9D3106AACB1}" type="datetimeFigureOut">
               <a:rPr lang="en-US" dirty="0"/>
-              <a:t>4/4/2019</a:t>
+              <a:t>4/5/19</a:t>
             </a:fld>
             <a:endParaRPr lang="en-US" dirty="0"/>
           </a:p>
@@ -5061,7 +5416,7 @@
           <a:p>
             <a:fld id="{4509A250-FF31-4206-8172-F9D3106AACB1}" type="datetimeFigureOut">
               <a:rPr lang="en-US" dirty="0"/>
-              <a:t>4/4/2019</a:t>
+              <a:t>4/5/19</a:t>
             </a:fld>
             <a:endParaRPr lang="en-US" dirty="0"/>
           </a:p>
@@ -5485,7 +5840,7 @@
           <a:p>
             <a:fld id="{4AAD347D-5ACD-4C99-B74B-A9C85AD731AF}" type="datetimeFigureOut">
               <a:rPr lang="en-US" dirty="0"/>
-              <a:t>4/4/2019</a:t>
+              <a:t>4/5/19</a:t>
             </a:fld>
             <a:endParaRPr lang="en-US" dirty="0"/>
           </a:p>
@@ -6014,7 +6369,7 @@
           <p:cNvPr id="2" name="Title 1">
             <a:extLst>
               <a:ext uri="{FF2B5EF4-FFF2-40B4-BE49-F238E27FC236}">
-                <a16:creationId xmlns:a16="http://schemas.microsoft.com/office/drawing/2014/main" id="{3CE16BCE-57B5-4AC6-BD9D-0AF15055A2B9}"/>
+                <a16:creationId xmlns:a16="http://schemas.microsoft.com/office/drawing/2014/main" xmlns="" id="{3CE16BCE-57B5-4AC6-BD9D-0AF15055A2B9}"/>
               </a:ext>
             </a:extLst>
           </p:cNvPr>
@@ -6048,7 +6403,7 @@
           <p:cNvPr id="3" name="Subtitle 2">
             <a:extLst>
               <a:ext uri="{FF2B5EF4-FFF2-40B4-BE49-F238E27FC236}">
-                <a16:creationId xmlns:a16="http://schemas.microsoft.com/office/drawing/2014/main" id="{BACC0270-3096-45B2-8CB4-191D724C5D82}"/>
+                <a16:creationId xmlns:a16="http://schemas.microsoft.com/office/drawing/2014/main" xmlns="" id="{BACC0270-3096-45B2-8CB4-191D724C5D82}"/>
               </a:ext>
             </a:extLst>
           </p:cNvPr>
@@ -6090,6 +6445,70 @@
     <p:extLst>
       <p:ext uri="{BB962C8B-B14F-4D97-AF65-F5344CB8AC3E}">
         <p14:creationId xmlns:p14="http://schemas.microsoft.com/office/powerpoint/2010/main" val="2826294403"/>
+      </p:ext>
+    </p:extLst>
+  </p:cSld>
+  <p:clrMapOvr>
+    <a:masterClrMapping/>
+  </p:clrMapOvr>
+</p:sld>
+</file>
+
+<file path=ppt/slides/slide10.xml><?xml version="1.0" encoding="utf-8"?>
+<p:sld xmlns:a="http://schemas.openxmlformats.org/drawingml/2006/main" xmlns:r="http://schemas.openxmlformats.org/officeDocument/2006/relationships" xmlns:p="http://schemas.openxmlformats.org/presentationml/2006/main">
+  <p:cSld>
+    <p:spTree>
+      <p:nvGrpSpPr>
+        <p:cNvPr id="1" name=""/>
+        <p:cNvGrpSpPr/>
+        <p:nvPr/>
+      </p:nvGrpSpPr>
+      <p:grpSpPr>
+        <a:xfrm>
+          <a:off x="0" y="0"/>
+          <a:ext cx="0" cy="0"/>
+          <a:chOff x="0" y="0"/>
+          <a:chExt cx="0" cy="0"/>
+        </a:xfrm>
+      </p:grpSpPr>
+      <p:sp>
+        <p:nvSpPr>
+          <p:cNvPr id="2" name="Title 1">
+            <a:extLst>
+              <a:ext uri="{FF2B5EF4-FFF2-40B4-BE49-F238E27FC236}">
+                <a16:creationId xmlns:a16="http://schemas.microsoft.com/office/drawing/2014/main" xmlns="" id="{DAA10059-0CAB-4820-B48F-18D2FE58784A}"/>
+              </a:ext>
+            </a:extLst>
+          </p:cNvPr>
+          <p:cNvSpPr>
+            <a:spLocks noGrp="1"/>
+          </p:cNvSpPr>
+          <p:nvPr>
+            <p:ph type="title"/>
+          </p:nvPr>
+        </p:nvSpPr>
+        <p:spPr>
+          <a:xfrm>
+            <a:off x="2456058" y="2728735"/>
+            <a:ext cx="9404723" cy="1400530"/>
+          </a:xfrm>
+        </p:spPr>
+        <p:txBody>
+          <a:bodyPr/>
+          <a:lstStyle/>
+          <a:p>
+            <a:r>
+              <a:rPr lang="en-US" sz="6000" dirty="0"/>
+              <a:t>Any Questions???</a:t>
+            </a:r>
+            <a:endParaRPr lang="en-IE" sz="6000" dirty="0"/>
+          </a:p>
+        </p:txBody>
+      </p:sp>
+    </p:spTree>
+    <p:extLst>
+      <p:ext uri="{BB962C8B-B14F-4D97-AF65-F5344CB8AC3E}">
+        <p14:creationId xmlns:p14="http://schemas.microsoft.com/office/powerpoint/2010/main" val="2053677711"/>
       </p:ext>
     </p:extLst>
   </p:cSld>
@@ -6121,7 +6540,7 @@
           <p:cNvPr id="2" name="Title 1">
             <a:extLst>
               <a:ext uri="{FF2B5EF4-FFF2-40B4-BE49-F238E27FC236}">
-                <a16:creationId xmlns:a16="http://schemas.microsoft.com/office/drawing/2014/main" id="{4D64A5DB-1ED7-44C5-8A92-74E81ABAC86B}"/>
+                <a16:creationId xmlns:a16="http://schemas.microsoft.com/office/drawing/2014/main" xmlns="" id="{4D64A5DB-1ED7-44C5-8A92-74E81ABAC86B}"/>
               </a:ext>
             </a:extLst>
           </p:cNvPr>
@@ -6150,7 +6569,7 @@
           <p:cNvPr id="3" name="Content Placeholder 2">
             <a:extLst>
               <a:ext uri="{FF2B5EF4-FFF2-40B4-BE49-F238E27FC236}">
-                <a16:creationId xmlns:a16="http://schemas.microsoft.com/office/drawing/2014/main" id="{546C9FA6-2423-4937-80D0-6B53006A6177}"/>
+                <a16:creationId xmlns:a16="http://schemas.microsoft.com/office/drawing/2014/main" xmlns="" id="{546C9FA6-2423-4937-80D0-6B53006A6177}"/>
               </a:ext>
             </a:extLst>
           </p:cNvPr>
@@ -6163,21 +6582,32 @@
         </p:nvSpPr>
         <p:spPr>
           <a:xfrm>
-            <a:off x="1104293" y="2382858"/>
-            <a:ext cx="8946541" cy="1491560"/>
+            <a:off x="1104293" y="1734207"/>
+            <a:ext cx="8946541" cy="4151586"/>
           </a:xfrm>
         </p:spPr>
         <p:txBody>
-          <a:bodyPr/>
+          <a:bodyPr>
+            <a:normAutofit/>
+          </a:bodyPr>
           <a:lstStyle/>
           <a:p>
-            <a:pPr marL="0" indent="0">
-              <a:buNone/>
-            </a:pPr>
             <a:r>
               <a:rPr lang="en-US" sz="3600" dirty="0"/>
-              <a:t>Control a Lego made Mechanical Arm with a Leap Motion Controller</a:t>
-            </a:r>
+              <a:t>Control a Lego made Mechanical Arm with a Leap Motion </a:t>
+            </a:r>
+            <a:r>
+              <a:rPr lang="en-US" sz="3600" dirty="0" smtClean="0"/>
+              <a:t>Controller</a:t>
+            </a:r>
+            <a:endParaRPr lang="en-US" sz="3600" dirty="0"/>
+          </a:p>
+          <a:p>
+            <a:r>
+              <a:rPr lang="en-US" sz="3600" dirty="0" smtClean="0"/>
+              <a:t>RMI  communication between Lego arm and Leap Motion Controller</a:t>
+            </a:r>
+            <a:endParaRPr lang="en-US" sz="3600" dirty="0"/>
           </a:p>
           <a:p>
             <a:endParaRPr lang="en-IE" dirty="0"/>
@@ -6219,7 +6649,7 @@
           <p:cNvPr id="2" name="Title 1">
             <a:extLst>
               <a:ext uri="{FF2B5EF4-FFF2-40B4-BE49-F238E27FC236}">
-                <a16:creationId xmlns:a16="http://schemas.microsoft.com/office/drawing/2014/main" id="{17E433F8-4BC7-4D70-9AAB-202787C16851}"/>
+                <a16:creationId xmlns:a16="http://schemas.microsoft.com/office/drawing/2014/main" xmlns="" id="{17E433F8-4BC7-4D70-9AAB-202787C16851}"/>
               </a:ext>
             </a:extLst>
           </p:cNvPr>
@@ -6248,7 +6678,7 @@
           <p:cNvPr id="3" name="Content Placeholder 2">
             <a:extLst>
               <a:ext uri="{FF2B5EF4-FFF2-40B4-BE49-F238E27FC236}">
-                <a16:creationId xmlns:a16="http://schemas.microsoft.com/office/drawing/2014/main" id="{17E30B58-209E-4F0E-9BEE-97C7CF980557}"/>
+                <a16:creationId xmlns:a16="http://schemas.microsoft.com/office/drawing/2014/main" xmlns="" id="{17E30B58-209E-4F0E-9BEE-97C7CF980557}"/>
               </a:ext>
             </a:extLst>
           </p:cNvPr>
@@ -6266,13 +6696,19 @@
           </a:bodyPr>
           <a:lstStyle/>
           <a:p>
-            <a:pPr marL="0" indent="0">
-              <a:buNone/>
-            </a:pPr>
+            <a:r>
+              <a:rPr lang="en-US" sz="4000" dirty="0" smtClean="0"/>
+              <a:t>Java </a:t>
+            </a:r>
             <a:r>
               <a:rPr lang="en-US" sz="4000" dirty="0"/>
-              <a:t>Java 8 64bit and 32bit</a:t>
-            </a:r>
+              <a:t>8 </a:t>
+            </a:r>
+            <a:r>
+              <a:rPr lang="en-US" sz="4000" dirty="0" smtClean="0"/>
+              <a:t>32bit</a:t>
+            </a:r>
+            <a:endParaRPr lang="en-US" sz="4000" dirty="0"/>
           </a:p>
           <a:p>
             <a:r>
@@ -6405,7 +6841,7 @@
           <p:cNvPr id="2" name="Title 1">
             <a:extLst>
               <a:ext uri="{FF2B5EF4-FFF2-40B4-BE49-F238E27FC236}">
-                <a16:creationId xmlns:a16="http://schemas.microsoft.com/office/drawing/2014/main" id="{102572C9-9C34-4253-8C28-01233DB3741E}"/>
+                <a16:creationId xmlns:a16="http://schemas.microsoft.com/office/drawing/2014/main" xmlns="" id="{102572C9-9C34-4253-8C28-01233DB3741E}"/>
               </a:ext>
             </a:extLst>
           </p:cNvPr>
@@ -6438,7 +6874,7 @@
           <p:cNvPr id="3" name="Content Placeholder 2">
             <a:extLst>
               <a:ext uri="{FF2B5EF4-FFF2-40B4-BE49-F238E27FC236}">
-                <a16:creationId xmlns:a16="http://schemas.microsoft.com/office/drawing/2014/main" id="{F7C0AAE1-189A-4EBE-98A7-CD7855CBC065}"/>
+                <a16:creationId xmlns:a16="http://schemas.microsoft.com/office/drawing/2014/main" xmlns="" id="{F7C0AAE1-189A-4EBE-98A7-CD7855CBC065}"/>
               </a:ext>
             </a:extLst>
           </p:cNvPr>
@@ -6525,7 +6961,7 @@
           <p:cNvPr id="2" name="Title 1">
             <a:extLst>
               <a:ext uri="{FF2B5EF4-FFF2-40B4-BE49-F238E27FC236}">
-                <a16:creationId xmlns:a16="http://schemas.microsoft.com/office/drawing/2014/main" id="{1A2CB77B-56FF-484E-8A7D-0B1F5C008472}"/>
+                <a16:creationId xmlns:a16="http://schemas.microsoft.com/office/drawing/2014/main" xmlns="" id="{102572C9-9C34-4253-8C28-01233DB3741E}"/>
               </a:ext>
             </a:extLst>
           </p:cNvPr>
@@ -6542,10 +6978,10 @@
           <a:lstStyle/>
           <a:p>
             <a:r>
-              <a:rPr lang="en-US" sz="6000" dirty="0"/>
-              <a:t>Leap Motion Gestures</a:t>
-            </a:r>
-            <a:endParaRPr lang="en-IE" sz="6000" dirty="0"/>
+              <a:rPr lang="en-US" dirty="0" smtClean="0"/>
+              <a:t>Leap Motion Setup &amp; Development</a:t>
+            </a:r>
+            <a:endParaRPr lang="en-IE" dirty="0"/>
           </a:p>
         </p:txBody>
       </p:sp>
@@ -6554,7 +6990,109 @@
           <p:cNvPr id="3" name="Content Placeholder 2">
             <a:extLst>
               <a:ext uri="{FF2B5EF4-FFF2-40B4-BE49-F238E27FC236}">
-                <a16:creationId xmlns:a16="http://schemas.microsoft.com/office/drawing/2014/main" id="{9442773B-9360-4357-800A-4B9495141E3A}"/>
+                <a16:creationId xmlns:a16="http://schemas.microsoft.com/office/drawing/2014/main" xmlns="" id="{F7C0AAE1-189A-4EBE-98A7-CD7855CBC065}"/>
+              </a:ext>
+            </a:extLst>
+          </p:cNvPr>
+          <p:cNvSpPr>
+            <a:spLocks noGrp="1"/>
+          </p:cNvSpPr>
+          <p:nvPr>
+            <p:ph idx="1"/>
+          </p:nvPr>
+        </p:nvSpPr>
+        <p:spPr/>
+        <p:txBody>
+          <a:bodyPr/>
+          <a:lstStyle/>
+          <a:p>
+            <a:r>
+              <a:rPr lang="en-US" sz="3200" dirty="0" smtClean="0"/>
+              <a:t>Install Leap Motion SDK (32 bit Java version) so it’s compatible with Lego Arm.</a:t>
+            </a:r>
+          </a:p>
+          <a:p>
+            <a:r>
+              <a:rPr lang="en-US" sz="3200" dirty="0" smtClean="0"/>
+              <a:t>Develop different Gestures (Close Hand, Open Hand)</a:t>
+            </a:r>
+          </a:p>
+          <a:p>
+            <a:r>
+              <a:rPr lang="en-US" sz="3200" dirty="0" smtClean="0"/>
+              <a:t> Integrate Leap Motion Listener with Lego arm (through RMI) </a:t>
+            </a:r>
+          </a:p>
+          <a:p>
+            <a:endParaRPr lang="en-US" sz="3200" dirty="0"/>
+          </a:p>
+        </p:txBody>
+      </p:sp>
+    </p:spTree>
+    <p:extLst>
+      <p:ext uri="{BB962C8B-B14F-4D97-AF65-F5344CB8AC3E}">
+        <p14:creationId xmlns:p14="http://schemas.microsoft.com/office/powerpoint/2010/main" val="480193850"/>
+      </p:ext>
+    </p:extLst>
+  </p:cSld>
+  <p:clrMapOvr>
+    <a:masterClrMapping/>
+  </p:clrMapOvr>
+</p:sld>
+</file>
+
+<file path=ppt/slides/slide7.xml><?xml version="1.0" encoding="utf-8"?>
+<p:sld xmlns:a="http://schemas.openxmlformats.org/drawingml/2006/main" xmlns:r="http://schemas.openxmlformats.org/officeDocument/2006/relationships" xmlns:p="http://schemas.openxmlformats.org/presentationml/2006/main">
+  <p:cSld>
+    <p:spTree>
+      <p:nvGrpSpPr>
+        <p:cNvPr id="1" name=""/>
+        <p:cNvGrpSpPr/>
+        <p:nvPr/>
+      </p:nvGrpSpPr>
+      <p:grpSpPr>
+        <a:xfrm>
+          <a:off x="0" y="0"/>
+          <a:ext cx="0" cy="0"/>
+          <a:chOff x="0" y="0"/>
+          <a:chExt cx="0" cy="0"/>
+        </a:xfrm>
+      </p:grpSpPr>
+      <p:sp>
+        <p:nvSpPr>
+          <p:cNvPr id="2" name="Title 1">
+            <a:extLst>
+              <a:ext uri="{FF2B5EF4-FFF2-40B4-BE49-F238E27FC236}">
+                <a16:creationId xmlns:a16="http://schemas.microsoft.com/office/drawing/2014/main" xmlns="" id="{1A2CB77B-56FF-484E-8A7D-0B1F5C008472}"/>
+              </a:ext>
+            </a:extLst>
+          </p:cNvPr>
+          <p:cNvSpPr>
+            <a:spLocks noGrp="1"/>
+          </p:cNvSpPr>
+          <p:nvPr>
+            <p:ph type="title"/>
+          </p:nvPr>
+        </p:nvSpPr>
+        <p:spPr/>
+        <p:txBody>
+          <a:bodyPr/>
+          <a:lstStyle/>
+          <a:p>
+            <a:r>
+              <a:rPr lang="en-US" sz="6000" dirty="0"/>
+              <a:t>Leap Motion Gestures</a:t>
+            </a:r>
+            <a:endParaRPr lang="en-IE" sz="6000" dirty="0"/>
+          </a:p>
+        </p:txBody>
+      </p:sp>
+      <p:sp>
+        <p:nvSpPr>
+          <p:cNvPr id="3" name="Content Placeholder 2">
+            <a:extLst>
+              <a:ext uri="{FF2B5EF4-FFF2-40B4-BE49-F238E27FC236}">
+                <a16:creationId xmlns:a16="http://schemas.microsoft.com/office/drawing/2014/main" xmlns="" id="{9442773B-9360-4357-800A-4B9495141E3A}"/>
               </a:ext>
             </a:extLst>
           </p:cNvPr>
@@ -6642,7 +7180,7 @@
           <p:cNvPr id="4" name="Content Placeholder 2">
             <a:extLst>
               <a:ext uri="{FF2B5EF4-FFF2-40B4-BE49-F238E27FC236}">
-                <a16:creationId xmlns:a16="http://schemas.microsoft.com/office/drawing/2014/main" id="{D9023E3A-8C16-45F6-9946-F1FAA80A0002}"/>
+                <a16:creationId xmlns:a16="http://schemas.microsoft.com/office/drawing/2014/main" xmlns="" id="{D9023E3A-8C16-45F6-9946-F1FAA80A0002}"/>
               </a:ext>
             </a:extLst>
           </p:cNvPr>
@@ -6942,7 +7480,7 @@
           <p:cNvPr id="6" name="Straight Connector 5">
             <a:extLst>
               <a:ext uri="{FF2B5EF4-FFF2-40B4-BE49-F238E27FC236}">
-                <a16:creationId xmlns:a16="http://schemas.microsoft.com/office/drawing/2014/main" id="{DC6284B3-438B-4B84-9BC3-E74AF428475E}"/>
+                <a16:creationId xmlns:a16="http://schemas.microsoft.com/office/drawing/2014/main" xmlns="" id="{DC6284B3-438B-4B84-9BC3-E74AF428475E}"/>
               </a:ext>
             </a:extLst>
           </p:cNvPr>
@@ -6986,70 +7524,6 @@
 </p:sld>
 </file>
 
-<file path=ppt/slides/slide7.xml><?xml version="1.0" encoding="utf-8"?>
-<p:sld xmlns:a="http://schemas.openxmlformats.org/drawingml/2006/main" xmlns:r="http://schemas.openxmlformats.org/officeDocument/2006/relationships" xmlns:p="http://schemas.openxmlformats.org/presentationml/2006/main">
-  <p:cSld>
-    <p:spTree>
-      <p:nvGrpSpPr>
-        <p:cNvPr id="1" name=""/>
-        <p:cNvGrpSpPr/>
-        <p:nvPr/>
-      </p:nvGrpSpPr>
-      <p:grpSpPr>
-        <a:xfrm>
-          <a:off x="0" y="0"/>
-          <a:ext cx="0" cy="0"/>
-          <a:chOff x="0" y="0"/>
-          <a:chExt cx="0" cy="0"/>
-        </a:xfrm>
-      </p:grpSpPr>
-      <p:sp>
-        <p:nvSpPr>
-          <p:cNvPr id="2" name="Title 1">
-            <a:extLst>
-              <a:ext uri="{FF2B5EF4-FFF2-40B4-BE49-F238E27FC236}">
-                <a16:creationId xmlns:a16="http://schemas.microsoft.com/office/drawing/2014/main" id="{29B2CD78-BDF2-4BBB-A5B3-EE8F1804A3DD}"/>
-              </a:ext>
-            </a:extLst>
-          </p:cNvPr>
-          <p:cNvSpPr>
-            <a:spLocks noGrp="1"/>
-          </p:cNvSpPr>
-          <p:nvPr>
-            <p:ph type="title"/>
-          </p:nvPr>
-        </p:nvSpPr>
-        <p:spPr>
-          <a:xfrm>
-            <a:off x="2946251" y="2941395"/>
-            <a:ext cx="9404723" cy="1400530"/>
-          </a:xfrm>
-        </p:spPr>
-        <p:txBody>
-          <a:bodyPr/>
-          <a:lstStyle/>
-          <a:p>
-            <a:r>
-              <a:rPr lang="en-US" sz="6000" dirty="0"/>
-              <a:t>Live Presentation</a:t>
-            </a:r>
-            <a:endParaRPr lang="en-IE" sz="6000" dirty="0"/>
-          </a:p>
-        </p:txBody>
-      </p:sp>
-    </p:spTree>
-    <p:extLst>
-      <p:ext uri="{BB962C8B-B14F-4D97-AF65-F5344CB8AC3E}">
-        <p14:creationId xmlns:p14="http://schemas.microsoft.com/office/powerpoint/2010/main" val="151178072"/>
-      </p:ext>
-    </p:extLst>
-  </p:cSld>
-  <p:clrMapOvr>
-    <a:masterClrMapping/>
-  </p:clrMapOvr>
-</p:sld>
-</file>
-
 <file path=ppt/slides/slide8.xml><?xml version="1.0" encoding="utf-8"?>
 <p:sld xmlns:a="http://schemas.openxmlformats.org/drawingml/2006/main" xmlns:r="http://schemas.openxmlformats.org/officeDocument/2006/relationships" xmlns:p="http://schemas.openxmlformats.org/presentationml/2006/main">
   <p:cSld>
@@ -7069,10 +7543,105 @@
       </p:grpSpPr>
       <p:sp>
         <p:nvSpPr>
+          <p:cNvPr id="2" name="Title 1"/>
+          <p:cNvSpPr>
+            <a:spLocks noGrp="1"/>
+          </p:cNvSpPr>
+          <p:nvPr>
+            <p:ph type="title"/>
+          </p:nvPr>
+        </p:nvSpPr>
+        <p:spPr>
+          <a:xfrm>
+            <a:off x="1103312" y="452718"/>
+            <a:ext cx="8947522" cy="1400530"/>
+          </a:xfrm>
+        </p:spPr>
+        <p:txBody>
+          <a:bodyPr/>
+          <a:lstStyle/>
+          <a:p>
+            <a:r>
+              <a:rPr lang="en-US" sz="4400" dirty="0" smtClean="0"/>
+              <a:t>Issues</a:t>
+            </a:r>
+            <a:endParaRPr lang="en-US" sz="4400" dirty="0"/>
+          </a:p>
+        </p:txBody>
+      </p:sp>
+      <p:sp>
+        <p:nvSpPr>
+          <p:cNvPr id="3" name="Content Placeholder 2"/>
+          <p:cNvSpPr>
+            <a:spLocks noGrp="1"/>
+          </p:cNvSpPr>
+          <p:nvPr>
+            <p:ph idx="1"/>
+          </p:nvPr>
+        </p:nvSpPr>
+        <p:spPr/>
+        <p:txBody>
+          <a:bodyPr>
+            <a:normAutofit/>
+          </a:bodyPr>
+          <a:lstStyle/>
+          <a:p>
+            <a:r>
+              <a:rPr lang="en-US" sz="3200" dirty="0" smtClean="0"/>
+              <a:t>Compatibility with Java versions - 32 bit for Lego Arm and 64 bit for Leap Motion</a:t>
+            </a:r>
+            <a:endParaRPr lang="en-US" sz="3200" dirty="0"/>
+          </a:p>
+          <a:p>
+            <a:r>
+              <a:rPr lang="en-US" sz="3200" dirty="0" smtClean="0"/>
+              <a:t>Connection problems with Leap Motion</a:t>
+            </a:r>
+          </a:p>
+          <a:p>
+            <a:r>
+              <a:rPr lang="en-US" sz="3200" dirty="0" smtClean="0"/>
+              <a:t>Leap Motion Accuracy  </a:t>
+            </a:r>
+          </a:p>
+        </p:txBody>
+      </p:sp>
+    </p:spTree>
+    <p:extLst>
+      <p:ext uri="{BB962C8B-B14F-4D97-AF65-F5344CB8AC3E}">
+        <p14:creationId xmlns:p14="http://schemas.microsoft.com/office/powerpoint/2010/main" val="258607219"/>
+      </p:ext>
+    </p:extLst>
+  </p:cSld>
+  <p:clrMapOvr>
+    <a:masterClrMapping/>
+  </p:clrMapOvr>
+</p:sld>
+</file>
+
+<file path=ppt/slides/slide9.xml><?xml version="1.0" encoding="utf-8"?>
+<p:sld xmlns:a="http://schemas.openxmlformats.org/drawingml/2006/main" xmlns:r="http://schemas.openxmlformats.org/officeDocument/2006/relationships" xmlns:p="http://schemas.openxmlformats.org/presentationml/2006/main">
+  <p:cSld>
+    <p:spTree>
+      <p:nvGrpSpPr>
+        <p:cNvPr id="1" name=""/>
+        <p:cNvGrpSpPr/>
+        <p:nvPr/>
+      </p:nvGrpSpPr>
+      <p:grpSpPr>
+        <a:xfrm>
+          <a:off x="0" y="0"/>
+          <a:ext cx="0" cy="0"/>
+          <a:chOff x="0" y="0"/>
+          <a:chExt cx="0" cy="0"/>
+        </a:xfrm>
+      </p:grpSpPr>
+      <p:sp>
+        <p:nvSpPr>
           <p:cNvPr id="2" name="Title 1">
             <a:extLst>
               <a:ext uri="{FF2B5EF4-FFF2-40B4-BE49-F238E27FC236}">
-                <a16:creationId xmlns:a16="http://schemas.microsoft.com/office/drawing/2014/main" id="{DAA10059-0CAB-4820-B48F-18D2FE58784A}"/>
+                <a16:creationId xmlns:a16="http://schemas.microsoft.com/office/drawing/2014/main" xmlns="" id="{29B2CD78-BDF2-4BBB-A5B3-EE8F1804A3DD}"/>
               </a:ext>
             </a:extLst>
           </p:cNvPr>
@@ -7085,7 +7654,7 @@
         </p:nvSpPr>
         <p:spPr>
           <a:xfrm>
-            <a:off x="2456058" y="2728735"/>
+            <a:off x="2946251" y="2941395"/>
             <a:ext cx="9404723" cy="1400530"/>
           </a:xfrm>
         </p:spPr>
@@ -7095,7 +7664,7 @@
           <a:p>
             <a:r>
               <a:rPr lang="en-US" sz="6000" dirty="0"/>
-              <a:t>Any Questions???</a:t>
+              <a:t>Live Presentation</a:t>
             </a:r>
             <a:endParaRPr lang="en-IE" sz="6000" dirty="0"/>
           </a:p>
@@ -7104,7 +7673,7 @@
     </p:spTree>
     <p:extLst>
       <p:ext uri="{BB962C8B-B14F-4D97-AF65-F5344CB8AC3E}">
-        <p14:creationId xmlns:p14="http://schemas.microsoft.com/office/powerpoint/2010/main" val="2053677711"/>
+        <p14:creationId xmlns:p14="http://schemas.microsoft.com/office/powerpoint/2010/main" val="151178072"/>
       </p:ext>
     </p:extLst>
   </p:cSld>
@@ -7378,4 +7947,265 @@
     </a:ext>
   </a:extLst>
 </a:theme>
+</file>
+
+<file path=ppt/theme/theme2.xml><?xml version="1.0" encoding="utf-8"?>
+<a:theme xmlns:a="http://schemas.openxmlformats.org/drawingml/2006/main" name="Office Theme">
+  <a:themeElements>
+    <a:clrScheme name="Office">
+      <a:dk1>
+        <a:sysClr val="windowText" lastClr="000000"/>
+      </a:dk1>
+      <a:lt1>
+        <a:sysClr val="window" lastClr="FFFFFF"/>
+      </a:lt1>
+      <a:dk2>
+        <a:srgbClr val="44546A"/>
+      </a:dk2>
+      <a:lt2>
+        <a:srgbClr val="E7E6E6"/>
+      </a:lt2>
+      <a:accent1>
+        <a:srgbClr val="4472C4"/>
+      </a:accent1>
+      <a:accent2>
+        <a:srgbClr val="ED7D31"/>
+      </a:accent2>
+      <a:accent3>
+        <a:srgbClr val="A5A5A5"/>
+      </a:accent3>
+      <a:accent4>
+        <a:srgbClr val="FFC000"/>
+      </a:accent4>
+      <a:accent5>
+        <a:srgbClr val="5B9BD5"/>
+      </a:accent5>
+      <a:accent6>
+        <a:srgbClr val="70AD47"/>
+      </a:accent6>
+      <a:hlink>
+        <a:srgbClr val="0563C1"/>
+      </a:hlink>
+      <a:folHlink>
+        <a:srgbClr val="954F72"/>
+      </a:folHlink>
+    </a:clrScheme>
+    <a:fontScheme name="Office">
+      <a:majorFont>
+        <a:latin typeface="Calibri Light" panose="020F0302020204030204"/>
+        <a:ea typeface=""/>
+        <a:cs typeface=""/>
+        <a:font script="Jpan" typeface="Yu Gothic Light"/>
+        <a:font script="Hang" typeface="맑은 고딕"/>
+        <a:font script="Hans" typeface="DengXian Light"/>
+        <a:font script="Hant" typeface="新細明體"/>
+        <a:font script="Arab" typeface="Times New Roman"/>
+        <a:font script="Hebr" typeface="Times New Roman"/>
+        <a:font script="Thai" typeface="Angsana New"/>
+        <a:font script="Ethi" typeface="Nyala"/>
+        <a:font script="Beng" typeface="Vrinda"/>
+        <a:font script="Gujr" typeface="Shruti"/>
+        <a:font script="Khmr" typeface="MoolBoran"/>
+        <a:font script="Knda" typeface="Tunga"/>
+        <a:font script="Guru" typeface="Raavi"/>
+        <a:font script="Cans" typeface="Euphemia"/>
+        <a:font script="Cher" typeface="Plantagenet Cherokee"/>
+        <a:font script="Yiii" typeface="Microsoft Yi Baiti"/>
+        <a:font script="Tibt" typeface="Microsoft Himalaya"/>
+        <a:font script="Thaa" typeface="MV Boli"/>
+        <a:font script="Deva" typeface="Mangal"/>
+        <a:font script="Telu" typeface="Gautami"/>
+        <a:font script="Taml" typeface="Latha"/>
+        <a:font script="Syrc" typeface="Estrangelo Edessa"/>
+        <a:font script="Orya" typeface="Kalinga"/>
+        <a:font script="Mlym" typeface="Kartika"/>
+        <a:font script="Laoo" typeface="DokChampa"/>
+        <a:font script="Sinh" typeface="Iskoola Pota"/>
+        <a:font script="Mong" typeface="Mongolian Baiti"/>
+        <a:font script="Viet" typeface="Times New Roman"/>
+        <a:font script="Uigh" typeface="Microsoft Uighur"/>
+        <a:font script="Geor" typeface="Sylfaen"/>
+      </a:majorFont>
+      <a:minorFont>
+        <a:latin typeface="Calibri" panose="020F0502020204030204"/>
+        <a:ea typeface=""/>
+        <a:cs typeface=""/>
+        <a:font script="Jpan" typeface="Yu Gothic"/>
+        <a:font script="Hang" typeface="맑은 고딕"/>
+        <a:font script="Hans" typeface="DengXian"/>
+        <a:font script="Hant" typeface="新細明體"/>
+        <a:font script="Arab" typeface="Arial"/>
+        <a:font script="Hebr" typeface="Arial"/>
+        <a:font script="Thai" typeface="Cordia New"/>
+        <a:font script="Ethi" typeface="Nyala"/>
+        <a:font script="Beng" typeface="Vrinda"/>
+        <a:font script="Gujr" typeface="Shruti"/>
+        <a:font script="Khmr" typeface="DaunPenh"/>
+        <a:font script="Knda" typeface="Tunga"/>
+        <a:font script="Guru" typeface="Raavi"/>
+        <a:font script="Cans" typeface="Euphemia"/>
+        <a:font script="Cher" typeface="Plantagenet Cherokee"/>
+        <a:font script="Yiii" typeface="Microsoft Yi Baiti"/>
+        <a:font script="Tibt" typeface="Microsoft Himalaya"/>
+        <a:font script="Thaa" typeface="MV Boli"/>
+        <a:font script="Deva" typeface="Mangal"/>
+        <a:font script="Telu" typeface="Gautami"/>
+        <a:font script="Taml" typeface="Latha"/>
+        <a:font script="Syrc" typeface="Estrangelo Edessa"/>
+        <a:font script="Orya" typeface="Kalinga"/>
+        <a:font script="Mlym" typeface="Kartika"/>
+        <a:font script="Laoo" typeface="DokChampa"/>
+        <a:font script="Sinh" typeface="Iskoola Pota"/>
+        <a:font script="Mong" typeface="Mongolian Baiti"/>
+        <a:font script="Viet" typeface="Arial"/>
+        <a:font script="Uigh" typeface="Microsoft Uighur"/>
+        <a:font script="Geor" typeface="Sylfaen"/>
+      </a:minorFont>
+    </a:fontScheme>
+    <a:fmtScheme name="Office">
+      <a:fillStyleLst>
+        <a:solidFill>
+          <a:schemeClr val="phClr"/>
+        </a:solidFill>
+        <a:gradFill rotWithShape="1">
+          <a:gsLst>
+            <a:gs pos="0">
+              <a:schemeClr val="phClr">
+                <a:lumMod val="110000"/>
+                <a:satMod val="105000"/>
+                <a:tint val="67000"/>
+              </a:schemeClr>
+            </a:gs>
+            <a:gs pos="50000">
+              <a:schemeClr val="phClr">
+                <a:lumMod val="105000"/>
+                <a:satMod val="103000"/>
+                <a:tint val="73000"/>
+              </a:schemeClr>
+            </a:gs>
+            <a:gs pos="100000">
+              <a:schemeClr val="phClr">
+                <a:lumMod val="105000"/>
+                <a:satMod val="109000"/>
+                <a:tint val="81000"/>
+              </a:schemeClr>
+            </a:gs>
+          </a:gsLst>
+          <a:lin ang="5400000" scaled="0"/>
+        </a:gradFill>
+        <a:gradFill rotWithShape="1">
+          <a:gsLst>
+            <a:gs pos="0">
+              <a:schemeClr val="phClr">
+                <a:satMod val="103000"/>
+                <a:lumMod val="102000"/>
+                <a:tint val="94000"/>
+              </a:schemeClr>
+            </a:gs>
+            <a:gs pos="50000">
+              <a:schemeClr val="phClr">
+                <a:satMod val="110000"/>
+                <a:lumMod val="100000"/>
+                <a:shade val="100000"/>
+              </a:schemeClr>
+            </a:gs>
+            <a:gs pos="100000">
+              <a:schemeClr val="phClr">
+                <a:lumMod val="99000"/>
+                <a:satMod val="120000"/>
+                <a:shade val="78000"/>
+              </a:schemeClr>
+            </a:gs>
+          </a:gsLst>
+          <a:lin ang="5400000" scaled="0"/>
+        </a:gradFill>
+      </a:fillStyleLst>
+      <a:lnStyleLst>
+        <a:ln w="6350" cap="flat" cmpd="sng" algn="ctr">
+          <a:solidFill>
+            <a:schemeClr val="phClr"/>
+          </a:solidFill>
+          <a:prstDash val="solid"/>
+          <a:miter lim="800000"/>
+        </a:ln>
+        <a:ln w="12700" cap="flat" cmpd="sng" algn="ctr">
+          <a:solidFill>
+            <a:schemeClr val="phClr"/>
+          </a:solidFill>
+          <a:prstDash val="solid"/>
+          <a:miter lim="800000"/>
+        </a:ln>
+        <a:ln w="19050" cap="flat" cmpd="sng" algn="ctr">
+          <a:solidFill>
+            <a:schemeClr val="phClr"/>
+          </a:solidFill>
+          <a:prstDash val="solid"/>
+          <a:miter lim="800000"/>
+        </a:ln>
+      </a:lnStyleLst>
+      <a:effectStyleLst>
+        <a:effectStyle>
+          <a:effectLst/>
+        </a:effectStyle>
+        <a:effectStyle>
+          <a:effectLst/>
+        </a:effectStyle>
+        <a:effectStyle>
+          <a:effectLst>
+            <a:outerShdw blurRad="57150" dist="19050" dir="5400000" algn="ctr" rotWithShape="0">
+              <a:srgbClr val="000000">
+                <a:alpha val="63000"/>
+              </a:srgbClr>
+            </a:outerShdw>
+          </a:effectLst>
+        </a:effectStyle>
+      </a:effectStyleLst>
+      <a:bgFillStyleLst>
+        <a:solidFill>
+          <a:schemeClr val="phClr"/>
+        </a:solidFill>
+        <a:solidFill>
+          <a:schemeClr val="phClr">
+            <a:tint val="95000"/>
+            <a:satMod val="170000"/>
+          </a:schemeClr>
+        </a:solidFill>
+        <a:gradFill rotWithShape="1">
+          <a:gsLst>
+            <a:gs pos="0">
+              <a:schemeClr val="phClr">
+                <a:tint val="93000"/>
+                <a:satMod val="150000"/>
+                <a:shade val="98000"/>
+                <a:lumMod val="102000"/>
+              </a:schemeClr>
+            </a:gs>
+            <a:gs pos="50000">
+              <a:schemeClr val="phClr">
+                <a:tint val="98000"/>
+                <a:satMod val="130000"/>
+                <a:shade val="90000"/>
+                <a:lumMod val="103000"/>
+              </a:schemeClr>
+            </a:gs>
+            <a:gs pos="100000">
+              <a:schemeClr val="phClr">
+                <a:shade val="63000"/>
+                <a:satMod val="120000"/>
+              </a:schemeClr>
+            </a:gs>
+          </a:gsLst>
+          <a:lin ang="5400000" scaled="0"/>
+        </a:gradFill>
+      </a:bgFillStyleLst>
+    </a:fmtScheme>
+  </a:themeElements>
+  <a:objectDefaults/>
+  <a:extraClrSchemeLst/>
+  <a:extLst>
+    <a:ext uri="{05A4C25C-085E-4340-85A3-A5531E510DB2}">
+      <thm15:themeFamily xmlns:thm15="http://schemas.microsoft.com/office/thememl/2012/main" name="Office Theme" id="{62F939B6-93AF-4DB8-9C6B-D6C7DFDC589F}" vid="{4A3C46E8-61CC-4603-A589-7422A47A8E4A}"/>
+    </a:ext>
+  </a:extLst>
+</a:theme>
 </file>